--- a/Slides/02. Programação de Janelas.pptx
+++ b/Slides/02. Programação de Janelas.pptx
@@ -158,6 +158,14 @@
 </p:presentation>
 </file>
 
+<file path=ppt/revisionInfo.xml><?xml version="1.0" encoding="utf-8"?>
+<p1510:revInfo xmlns:a="http://schemas.openxmlformats.org/drawingml/2006/main" xmlns:r="http://schemas.openxmlformats.org/officeDocument/2006/relationships" xmlns:p1510="http://schemas.microsoft.com/office/powerpoint/2015/10/main">
+  <p1510:revLst>
+    <p1510:client id="{169459C6-7053-4F98-BCD9-70A926FA316E}" v="4" dt="2021-07-24T21:15:18.723"/>
+  </p1510:revLst>
+</p1510:revInfo>
+</file>
+
 <file path=ppt/changesInfos/changesInfo1.xml><?xml version="1.0" encoding="utf-8"?>
 <pc:chgInfo xmlns:a="http://schemas.openxmlformats.org/drawingml/2006/main" xmlns:r="http://schemas.openxmlformats.org/officeDocument/2006/relationships" xmlns:ac="http://schemas.microsoft.com/office/drawing/2013/main/command" xmlns:pc="http://schemas.microsoft.com/office/powerpoint/2013/main/command">
   <pc:docChgLst>
@@ -238,6 +246,125 @@
     </pc:docChg>
   </pc:docChgLst>
   <pc:docChgLst>
+    <pc:chgData name="Judson Santiago" userId="ebb108da2f256286" providerId="LiveId" clId="{EAE9D28A-FCDB-49C0-9EDF-47BDDE578E39}"/>
+    <pc:docChg chg="undo custSel modSld">
+      <pc:chgData name="Judson Santiago" userId="ebb108da2f256286" providerId="LiveId" clId="{EAE9D28A-FCDB-49C0-9EDF-47BDDE578E39}" dt="2020-10-31T10:45:55.617" v="748" actId="6549"/>
+      <pc:docMkLst>
+        <pc:docMk/>
+      </pc:docMkLst>
+      <pc:sldChg chg="addSp modSp mod">
+        <pc:chgData name="Judson Santiago" userId="ebb108da2f256286" providerId="LiveId" clId="{EAE9D28A-FCDB-49C0-9EDF-47BDDE578E39}" dt="2020-10-30T04:28:58.624" v="746" actId="1076"/>
+        <pc:sldMkLst>
+          <pc:docMk/>
+          <pc:sldMk cId="1744335074" sldId="343"/>
+        </pc:sldMkLst>
+        <pc:spChg chg="mod">
+          <ac:chgData name="Judson Santiago" userId="ebb108da2f256286" providerId="LiveId" clId="{EAE9D28A-FCDB-49C0-9EDF-47BDDE578E39}" dt="2020-10-30T04:14:09.003" v="582" actId="6549"/>
+          <ac:spMkLst>
+            <pc:docMk/>
+            <pc:sldMk cId="1744335074" sldId="343"/>
+            <ac:spMk id="4" creationId="{00000000-0000-0000-0000-000000000000}"/>
+          </ac:spMkLst>
+        </pc:spChg>
+        <pc:spChg chg="add mod">
+          <ac:chgData name="Judson Santiago" userId="ebb108da2f256286" providerId="LiveId" clId="{EAE9D28A-FCDB-49C0-9EDF-47BDDE578E39}" dt="2020-10-30T04:28:26.370" v="741" actId="11530"/>
+          <ac:spMkLst>
+            <pc:docMk/>
+            <pc:sldMk cId="1744335074" sldId="343"/>
+            <ac:spMk id="5" creationId="{99182C68-E0E9-4BEE-AAE8-15382AD83AE0}"/>
+          </ac:spMkLst>
+        </pc:spChg>
+        <pc:spChg chg="add mod ord">
+          <ac:chgData name="Judson Santiago" userId="ebb108da2f256286" providerId="LiveId" clId="{EAE9D28A-FCDB-49C0-9EDF-47BDDE578E39}" dt="2020-10-30T04:28:26.370" v="741" actId="11530"/>
+          <ac:spMkLst>
+            <pc:docMk/>
+            <pc:sldMk cId="1744335074" sldId="343"/>
+            <ac:spMk id="8" creationId="{6BEE24A7-731B-4ED1-A604-67A1FB3196A9}"/>
+          </ac:spMkLst>
+        </pc:spChg>
+        <pc:spChg chg="add mod ord">
+          <ac:chgData name="Judson Santiago" userId="ebb108da2f256286" providerId="LiveId" clId="{EAE9D28A-FCDB-49C0-9EDF-47BDDE578E39}" dt="2020-10-30T04:28:58.624" v="746" actId="1076"/>
+          <ac:spMkLst>
+            <pc:docMk/>
+            <pc:sldMk cId="1744335074" sldId="343"/>
+            <ac:spMk id="9" creationId="{62BF0A23-CFCC-4AB3-89ED-6C7FC4CBDF2C}"/>
+          </ac:spMkLst>
+        </pc:spChg>
+        <pc:grpChg chg="add mod">
+          <ac:chgData name="Judson Santiago" userId="ebb108da2f256286" providerId="LiveId" clId="{EAE9D28A-FCDB-49C0-9EDF-47BDDE578E39}" dt="2020-10-30T04:28:49.298" v="745" actId="1076"/>
+          <ac:grpSpMkLst>
+            <pc:docMk/>
+            <pc:sldMk cId="1744335074" sldId="343"/>
+            <ac:grpSpMk id="31" creationId="{1DCE2E43-FCC6-408E-BA96-DBF1304B7656}"/>
+          </ac:grpSpMkLst>
+        </pc:grpChg>
+        <pc:picChg chg="add mod ord">
+          <ac:chgData name="Judson Santiago" userId="ebb108da2f256286" providerId="LiveId" clId="{EAE9D28A-FCDB-49C0-9EDF-47BDDE578E39}" dt="2020-10-30T04:28:26.370" v="741" actId="11530"/>
+          <ac:picMkLst>
+            <pc:docMk/>
+            <pc:sldMk cId="1744335074" sldId="343"/>
+            <ac:picMk id="7" creationId="{7CAC6F31-4031-4EAF-BBEE-508DFE967D3E}"/>
+          </ac:picMkLst>
+        </pc:picChg>
+        <pc:cxnChg chg="add mod">
+          <ac:chgData name="Judson Santiago" userId="ebb108da2f256286" providerId="LiveId" clId="{EAE9D28A-FCDB-49C0-9EDF-47BDDE578E39}" dt="2020-10-30T04:28:26.370" v="741" actId="11530"/>
+          <ac:cxnSpMkLst>
+            <pc:docMk/>
+            <pc:sldMk cId="1744335074" sldId="343"/>
+            <ac:cxnSpMk id="11" creationId="{29A73344-0434-4F9E-B2FB-DEA71C80FA4D}"/>
+          </ac:cxnSpMkLst>
+        </pc:cxnChg>
+        <pc:cxnChg chg="add mod">
+          <ac:chgData name="Judson Santiago" userId="ebb108da2f256286" providerId="LiveId" clId="{EAE9D28A-FCDB-49C0-9EDF-47BDDE578E39}" dt="2020-10-30T04:28:26.370" v="741" actId="11530"/>
+          <ac:cxnSpMkLst>
+            <pc:docMk/>
+            <pc:sldMk cId="1744335074" sldId="343"/>
+            <ac:cxnSpMk id="13" creationId="{6A96BE07-ED43-4EDB-A0C4-78853EA914D0}"/>
+          </ac:cxnSpMkLst>
+        </pc:cxnChg>
+        <pc:cxnChg chg="add mod ord">
+          <ac:chgData name="Judson Santiago" userId="ebb108da2f256286" providerId="LiveId" clId="{EAE9D28A-FCDB-49C0-9EDF-47BDDE578E39}" dt="2020-10-30T04:28:26.370" v="741" actId="11530"/>
+          <ac:cxnSpMkLst>
+            <pc:docMk/>
+            <pc:sldMk cId="1744335074" sldId="343"/>
+            <ac:cxnSpMk id="23" creationId="{FF0DD951-3299-497F-8C59-5B1F3794F25C}"/>
+          </ac:cxnSpMkLst>
+        </pc:cxnChg>
+        <pc:cxnChg chg="add mod">
+          <ac:chgData name="Judson Santiago" userId="ebb108da2f256286" providerId="LiveId" clId="{EAE9D28A-FCDB-49C0-9EDF-47BDDE578E39}" dt="2020-10-30T04:28:26.370" v="741" actId="11530"/>
+          <ac:cxnSpMkLst>
+            <pc:docMk/>
+            <pc:sldMk cId="1744335074" sldId="343"/>
+            <ac:cxnSpMk id="25" creationId="{54F46924-934F-47D2-99C1-3D0605E21447}"/>
+          </ac:cxnSpMkLst>
+        </pc:cxnChg>
+        <pc:cxnChg chg="add mod">
+          <ac:chgData name="Judson Santiago" userId="ebb108da2f256286" providerId="LiveId" clId="{EAE9D28A-FCDB-49C0-9EDF-47BDDE578E39}" dt="2020-10-30T04:28:26.370" v="741" actId="11530"/>
+          <ac:cxnSpMkLst>
+            <pc:docMk/>
+            <pc:sldMk cId="1744335074" sldId="343"/>
+            <ac:cxnSpMk id="26" creationId="{4E925583-C0CD-4112-BD02-CE478E9EA5D4}"/>
+          </ac:cxnSpMkLst>
+        </pc:cxnChg>
+        <pc:cxnChg chg="add mod">
+          <ac:chgData name="Judson Santiago" userId="ebb108da2f256286" providerId="LiveId" clId="{EAE9D28A-FCDB-49C0-9EDF-47BDDE578E39}" dt="2020-10-30T04:28:26.370" v="741" actId="11530"/>
+          <ac:cxnSpMkLst>
+            <pc:docMk/>
+            <pc:sldMk cId="1744335074" sldId="343"/>
+            <ac:cxnSpMk id="30" creationId="{D3A1B7BC-2B75-439E-9BA4-07DE7697AC1E}"/>
+          </ac:cxnSpMkLst>
+        </pc:cxnChg>
+      </pc:sldChg>
+      <pc:sldChg chg="modNotesTx">
+        <pc:chgData name="Judson Santiago" userId="ebb108da2f256286" providerId="LiveId" clId="{EAE9D28A-FCDB-49C0-9EDF-47BDDE578E39}" dt="2020-10-31T10:45:55.617" v="748" actId="6549"/>
+        <pc:sldMkLst>
+          <pc:docMk/>
+          <pc:sldMk cId="415992065" sldId="349"/>
+        </pc:sldMkLst>
+      </pc:sldChg>
+    </pc:docChg>
+  </pc:docChgLst>
+  <pc:docChgLst>
     <pc:chgData name="Judson Santiago" userId="ebb108da2f256286" providerId="LiveId" clId="{47F864FE-8DEA-45AA-B2F6-FCD9D3C932B5}"/>
     <pc:docChg chg="modSld">
       <pc:chgData name="Judson Santiago" userId="ebb108da2f256286" providerId="LiveId" clId="{47F864FE-8DEA-45AA-B2F6-FCD9D3C932B5}" dt="2020-03-16T19:44:34.602" v="0" actId="113"/>
@@ -259,6 +386,46 @@
           </ac:spMkLst>
         </pc:spChg>
       </pc:sldChg>
+    </pc:docChg>
+  </pc:docChgLst>
+  <pc:docChgLst>
+    <pc:chgData name="Judson Santiago" userId="ebb108da2f256286" providerId="LiveId" clId="{663A31CE-097E-F14E-8253-195CBB77C090}"/>
+    <pc:docChg chg="modMainMaster">
+      <pc:chgData name="Judson Santiago" userId="ebb108da2f256286" providerId="LiveId" clId="{663A31CE-097E-F14E-8253-195CBB77C090}" dt="2021-07-12T22:56:39.321" v="0"/>
+      <pc:docMkLst>
+        <pc:docMk/>
+      </pc:docMkLst>
+      <pc:sldMasterChg chg="addSp modSp">
+        <pc:chgData name="Judson Santiago" userId="ebb108da2f256286" providerId="LiveId" clId="{663A31CE-097E-F14E-8253-195CBB77C090}" dt="2021-07-12T22:56:39.321" v="0"/>
+        <pc:sldMasterMkLst>
+          <pc:docMk/>
+          <pc:sldMasterMk cId="3191364939" sldId="2147483687"/>
+        </pc:sldMasterMkLst>
+        <pc:spChg chg="mod">
+          <ac:chgData name="Judson Santiago" userId="ebb108da2f256286" providerId="LiveId" clId="{663A31CE-097E-F14E-8253-195CBB77C090}" dt="2021-07-12T22:56:39.321" v="0"/>
+          <ac:spMkLst>
+            <pc:docMk/>
+            <pc:sldMasterMk cId="3191364939" sldId="2147483687"/>
+            <ac:spMk id="11" creationId="{42C7A2B7-38D1-3B46-AB1A-073B964643A9}"/>
+          </ac:spMkLst>
+        </pc:spChg>
+        <pc:grpChg chg="add mod">
+          <ac:chgData name="Judson Santiago" userId="ebb108da2f256286" providerId="LiveId" clId="{663A31CE-097E-F14E-8253-195CBB77C090}" dt="2021-07-12T22:56:39.321" v="0"/>
+          <ac:grpSpMkLst>
+            <pc:docMk/>
+            <pc:sldMasterMk cId="3191364939" sldId="2147483687"/>
+            <ac:grpSpMk id="8" creationId="{1FA74183-A547-534D-A484-B020DA52E102}"/>
+          </ac:grpSpMkLst>
+        </pc:grpChg>
+        <pc:picChg chg="mod">
+          <ac:chgData name="Judson Santiago" userId="ebb108da2f256286" providerId="LiveId" clId="{663A31CE-097E-F14E-8253-195CBB77C090}" dt="2021-07-12T22:56:39.321" v="0"/>
+          <ac:picMkLst>
+            <pc:docMk/>
+            <pc:sldMasterMk cId="3191364939" sldId="2147483687"/>
+            <ac:picMk id="10" creationId="{819385B8-DCE7-5345-AE83-81AE263C8038}"/>
+          </ac:picMkLst>
+        </pc:picChg>
+      </pc:sldMasterChg>
     </pc:docChg>
   </pc:docChgLst>
   <pc:docChgLst>
@@ -1747,6 +1914,231 @@
               <ac:spMk id="14" creationId="{DC9171F1-4F4F-4894-9D69-F0B80274F528}"/>
             </ac:spMkLst>
           </pc:spChg>
+        </pc:sldLayoutChg>
+      </pc:sldMasterChg>
+    </pc:docChg>
+  </pc:docChgLst>
+  <pc:docChgLst>
+    <pc:chgData name="Judson Santiago" userId="ebb108da2f256286" providerId="LiveId" clId="{169459C6-7053-4F98-BCD9-70A926FA316E}"/>
+    <pc:docChg chg="custSel modSld modMainMaster">
+      <pc:chgData name="Judson Santiago" userId="ebb108da2f256286" providerId="LiveId" clId="{169459C6-7053-4F98-BCD9-70A926FA316E}" dt="2021-07-24T21:17:59.619" v="81" actId="1076"/>
+      <pc:docMkLst>
+        <pc:docMk/>
+      </pc:docMkLst>
+      <pc:sldChg chg="addSp delSp modSp mod">
+        <pc:chgData name="Judson Santiago" userId="ebb108da2f256286" providerId="LiveId" clId="{169459C6-7053-4F98-BCD9-70A926FA316E}" dt="2021-07-24T20:30:11.666" v="23" actId="478"/>
+        <pc:sldMkLst>
+          <pc:docMk/>
+          <pc:sldMk cId="1297749608" sldId="282"/>
+        </pc:sldMkLst>
+        <pc:picChg chg="add mod">
+          <ac:chgData name="Judson Santiago" userId="ebb108da2f256286" providerId="LiveId" clId="{169459C6-7053-4F98-BCD9-70A926FA316E}" dt="2021-07-24T20:30:08.499" v="22" actId="1076"/>
+          <ac:picMkLst>
+            <pc:docMk/>
+            <pc:sldMk cId="1297749608" sldId="282"/>
+            <ac:picMk id="6" creationId="{5ABFEDE4-A1A3-4653-8D0A-7F6E115E7A39}"/>
+          </ac:picMkLst>
+        </pc:picChg>
+        <pc:picChg chg="del">
+          <ac:chgData name="Judson Santiago" userId="ebb108da2f256286" providerId="LiveId" clId="{169459C6-7053-4F98-BCD9-70A926FA316E}" dt="2021-07-24T20:30:11.666" v="23" actId="478"/>
+          <ac:picMkLst>
+            <pc:docMk/>
+            <pc:sldMk cId="1297749608" sldId="282"/>
+            <ac:picMk id="11" creationId="{9085AECF-1C44-4714-BC21-D9E946CF6DBF}"/>
+          </ac:picMkLst>
+        </pc:picChg>
+      </pc:sldChg>
+      <pc:sldChg chg="modSp mod">
+        <pc:chgData name="Judson Santiago" userId="ebb108da2f256286" providerId="LiveId" clId="{169459C6-7053-4F98-BCD9-70A926FA316E}" dt="2021-07-24T20:32:55.546" v="25" actId="207"/>
+        <pc:sldMkLst>
+          <pc:docMk/>
+          <pc:sldMk cId="220714113" sldId="306"/>
+        </pc:sldMkLst>
+        <pc:spChg chg="mod">
+          <ac:chgData name="Judson Santiago" userId="ebb108da2f256286" providerId="LiveId" clId="{169459C6-7053-4F98-BCD9-70A926FA316E}" dt="2021-07-24T20:32:55.546" v="25" actId="207"/>
+          <ac:spMkLst>
+            <pc:docMk/>
+            <pc:sldMk cId="220714113" sldId="306"/>
+            <ac:spMk id="2" creationId="{00000000-0000-0000-0000-000000000000}"/>
+          </ac:spMkLst>
+        </pc:spChg>
+      </pc:sldChg>
+      <pc:sldChg chg="modSp mod">
+        <pc:chgData name="Judson Santiago" userId="ebb108da2f256286" providerId="LiveId" clId="{169459C6-7053-4F98-BCD9-70A926FA316E}" dt="2021-07-24T21:17:59.619" v="81" actId="1076"/>
+        <pc:sldMkLst>
+          <pc:docMk/>
+          <pc:sldMk cId="1744335074" sldId="343"/>
+        </pc:sldMkLst>
+        <pc:spChg chg="mod">
+          <ac:chgData name="Judson Santiago" userId="ebb108da2f256286" providerId="LiveId" clId="{169459C6-7053-4F98-BCD9-70A926FA316E}" dt="2021-07-24T21:14:50.976" v="56" actId="20577"/>
+          <ac:spMkLst>
+            <pc:docMk/>
+            <pc:sldMk cId="1744335074" sldId="343"/>
+            <ac:spMk id="4" creationId="{00000000-0000-0000-0000-000000000000}"/>
+          </ac:spMkLst>
+        </pc:spChg>
+        <pc:spChg chg="mod">
+          <ac:chgData name="Judson Santiago" userId="ebb108da2f256286" providerId="LiveId" clId="{169459C6-7053-4F98-BCD9-70A926FA316E}" dt="2021-07-24T21:15:48.968" v="74" actId="208"/>
+          <ac:spMkLst>
+            <pc:docMk/>
+            <pc:sldMk cId="1744335074" sldId="343"/>
+            <ac:spMk id="5" creationId="{99182C68-E0E9-4BEE-AAE8-15382AD83AE0}"/>
+          </ac:spMkLst>
+        </pc:spChg>
+        <pc:spChg chg="mod">
+          <ac:chgData name="Judson Santiago" userId="ebb108da2f256286" providerId="LiveId" clId="{169459C6-7053-4F98-BCD9-70A926FA316E}" dt="2021-07-24T21:17:59.619" v="81" actId="1076"/>
+          <ac:spMkLst>
+            <pc:docMk/>
+            <pc:sldMk cId="1744335074" sldId="343"/>
+            <ac:spMk id="9" creationId="{62BF0A23-CFCC-4AB3-89ED-6C7FC4CBDF2C}"/>
+          </ac:spMkLst>
+        </pc:spChg>
+        <pc:cxnChg chg="mod">
+          <ac:chgData name="Judson Santiago" userId="ebb108da2f256286" providerId="LiveId" clId="{169459C6-7053-4F98-BCD9-70A926FA316E}" dt="2021-07-24T21:17:03.260" v="78" actId="693"/>
+          <ac:cxnSpMkLst>
+            <pc:docMk/>
+            <pc:sldMk cId="1744335074" sldId="343"/>
+            <ac:cxnSpMk id="11" creationId="{29A73344-0434-4F9E-B2FB-DEA71C80FA4D}"/>
+          </ac:cxnSpMkLst>
+        </pc:cxnChg>
+        <pc:cxnChg chg="mod">
+          <ac:chgData name="Judson Santiago" userId="ebb108da2f256286" providerId="LiveId" clId="{169459C6-7053-4F98-BCD9-70A926FA316E}" dt="2021-07-24T21:17:03.260" v="78" actId="693"/>
+          <ac:cxnSpMkLst>
+            <pc:docMk/>
+            <pc:sldMk cId="1744335074" sldId="343"/>
+            <ac:cxnSpMk id="13" creationId="{6A96BE07-ED43-4EDB-A0C4-78853EA914D0}"/>
+          </ac:cxnSpMkLst>
+        </pc:cxnChg>
+        <pc:cxnChg chg="mod">
+          <ac:chgData name="Judson Santiago" userId="ebb108da2f256286" providerId="LiveId" clId="{169459C6-7053-4F98-BCD9-70A926FA316E}" dt="2021-07-24T21:16:39.682" v="76" actId="693"/>
+          <ac:cxnSpMkLst>
+            <pc:docMk/>
+            <pc:sldMk cId="1744335074" sldId="343"/>
+            <ac:cxnSpMk id="23" creationId="{FF0DD951-3299-497F-8C59-5B1F3794F25C}"/>
+          </ac:cxnSpMkLst>
+        </pc:cxnChg>
+        <pc:cxnChg chg="mod">
+          <ac:chgData name="Judson Santiago" userId="ebb108da2f256286" providerId="LiveId" clId="{169459C6-7053-4F98-BCD9-70A926FA316E}" dt="2021-07-24T21:16:39.682" v="76" actId="693"/>
+          <ac:cxnSpMkLst>
+            <pc:docMk/>
+            <pc:sldMk cId="1744335074" sldId="343"/>
+            <ac:cxnSpMk id="25" creationId="{54F46924-934F-47D2-99C1-3D0605E21447}"/>
+          </ac:cxnSpMkLst>
+        </pc:cxnChg>
+        <pc:cxnChg chg="mod">
+          <ac:chgData name="Judson Santiago" userId="ebb108da2f256286" providerId="LiveId" clId="{169459C6-7053-4F98-BCD9-70A926FA316E}" dt="2021-07-24T21:16:39.682" v="76" actId="693"/>
+          <ac:cxnSpMkLst>
+            <pc:docMk/>
+            <pc:sldMk cId="1744335074" sldId="343"/>
+            <ac:cxnSpMk id="26" creationId="{4E925583-C0CD-4112-BD02-CE478E9EA5D4}"/>
+          </ac:cxnSpMkLst>
+        </pc:cxnChg>
+        <pc:cxnChg chg="mod">
+          <ac:chgData name="Judson Santiago" userId="ebb108da2f256286" providerId="LiveId" clId="{169459C6-7053-4F98-BCD9-70A926FA316E}" dt="2021-07-24T21:16:39.682" v="76" actId="693"/>
+          <ac:cxnSpMkLst>
+            <pc:docMk/>
+            <pc:sldMk cId="1744335074" sldId="343"/>
+            <ac:cxnSpMk id="30" creationId="{D3A1B7BC-2B75-439E-9BA4-07DE7697AC1E}"/>
+          </ac:cxnSpMkLst>
+        </pc:cxnChg>
+      </pc:sldChg>
+      <pc:sldChg chg="modSp mod modNotesTx">
+        <pc:chgData name="Judson Santiago" userId="ebb108da2f256286" providerId="LiveId" clId="{169459C6-7053-4F98-BCD9-70A926FA316E}" dt="2021-07-24T21:11:51.657" v="27"/>
+        <pc:sldMkLst>
+          <pc:docMk/>
+          <pc:sldMk cId="415992065" sldId="349"/>
+        </pc:sldMkLst>
+        <pc:spChg chg="mod">
+          <ac:chgData name="Judson Santiago" userId="ebb108da2f256286" providerId="LiveId" clId="{169459C6-7053-4F98-BCD9-70A926FA316E}" dt="2021-07-24T20:10:53.367" v="18" actId="20577"/>
+          <ac:spMkLst>
+            <pc:docMk/>
+            <pc:sldMk cId="415992065" sldId="349"/>
+            <ac:spMk id="2" creationId="{D17F0A06-C86C-4DB6-A1A7-42918B0E3E94}"/>
+          </ac:spMkLst>
+        </pc:spChg>
+      </pc:sldChg>
+      <pc:sldMasterChg chg="addSp delSp modSp mod modSldLayout">
+        <pc:chgData name="Judson Santiago" userId="ebb108da2f256286" providerId="LiveId" clId="{169459C6-7053-4F98-BCD9-70A926FA316E}" dt="2021-07-24T21:10:56.308" v="26" actId="21"/>
+        <pc:sldMasterMkLst>
+          <pc:docMk/>
+          <pc:sldMasterMk cId="3191364939" sldId="2147483687"/>
+        </pc:sldMasterMkLst>
+        <pc:grpChg chg="del">
+          <ac:chgData name="Judson Santiago" userId="ebb108da2f256286" providerId="LiveId" clId="{169459C6-7053-4F98-BCD9-70A926FA316E}" dt="2021-07-24T21:10:56.308" v="26" actId="21"/>
+          <ac:grpSpMkLst>
+            <pc:docMk/>
+            <pc:sldMasterMk cId="3191364939" sldId="2147483687"/>
+            <ac:grpSpMk id="8" creationId="{1FA74183-A547-534D-A484-B020DA52E102}"/>
+          </ac:grpSpMkLst>
+        </pc:grpChg>
+        <pc:picChg chg="del">
+          <ac:chgData name="Judson Santiago" userId="ebb108da2f256286" providerId="LiveId" clId="{169459C6-7053-4F98-BCD9-70A926FA316E}" dt="2021-07-24T20:10:09.703" v="14" actId="478"/>
+          <ac:picMkLst>
+            <pc:docMk/>
+            <pc:sldMasterMk cId="3191364939" sldId="2147483687"/>
+            <ac:picMk id="9" creationId="{D490CE8B-CDEE-4FD0-BB4F-02DA29DE4D5C}"/>
+          </ac:picMkLst>
+        </pc:picChg>
+        <pc:picChg chg="add mod ord">
+          <ac:chgData name="Judson Santiago" userId="ebb108da2f256286" providerId="LiveId" clId="{169459C6-7053-4F98-BCD9-70A926FA316E}" dt="2021-07-24T20:10:15.814" v="16" actId="167"/>
+          <ac:picMkLst>
+            <pc:docMk/>
+            <pc:sldMasterMk cId="3191364939" sldId="2147483687"/>
+            <ac:picMk id="12" creationId="{600B23BF-52BF-44DE-8D18-0CA34C283AFD}"/>
+          </ac:picMkLst>
+        </pc:picChg>
+        <pc:sldLayoutChg chg="addSp delSp modSp mod">
+          <pc:chgData name="Judson Santiago" userId="ebb108da2f256286" providerId="LiveId" clId="{169459C6-7053-4F98-BCD9-70A926FA316E}" dt="2021-07-24T20:08:45.604" v="4" actId="403"/>
+          <pc:sldLayoutMkLst>
+            <pc:docMk/>
+            <pc:sldMasterMk cId="3191364939" sldId="2147483687"/>
+            <pc:sldLayoutMk cId="294128816" sldId="2147483688"/>
+          </pc:sldLayoutMkLst>
+          <pc:spChg chg="del">
+            <ac:chgData name="Judson Santiago" userId="ebb108da2f256286" providerId="LiveId" clId="{169459C6-7053-4F98-BCD9-70A926FA316E}" dt="2021-07-24T20:07:48.840" v="1" actId="478"/>
+            <ac:spMkLst>
+              <pc:docMk/>
+              <pc:sldMasterMk cId="3191364939" sldId="2147483687"/>
+              <pc:sldLayoutMk cId="294128816" sldId="2147483688"/>
+              <ac:spMk id="6" creationId="{E68F966E-04FB-4A22-B1F4-2148B604D7EA}"/>
+            </ac:spMkLst>
+          </pc:spChg>
+          <pc:spChg chg="mod">
+            <ac:chgData name="Judson Santiago" userId="ebb108da2f256286" providerId="LiveId" clId="{169459C6-7053-4F98-BCD9-70A926FA316E}" dt="2021-07-24T20:08:45.604" v="4" actId="403"/>
+            <ac:spMkLst>
+              <pc:docMk/>
+              <pc:sldMasterMk cId="3191364939" sldId="2147483687"/>
+              <pc:sldLayoutMk cId="294128816" sldId="2147483688"/>
+              <ac:spMk id="10" creationId="{DBFBC7D8-D688-4085-8956-9646AB3A8BC6}"/>
+            </ac:spMkLst>
+          </pc:spChg>
+          <pc:spChg chg="add mod">
+            <ac:chgData name="Judson Santiago" userId="ebb108da2f256286" providerId="LiveId" clId="{169459C6-7053-4F98-BCD9-70A926FA316E}" dt="2021-07-24T20:07:50.295" v="2"/>
+            <ac:spMkLst>
+              <pc:docMk/>
+              <pc:sldMasterMk cId="3191364939" sldId="2147483687"/>
+              <pc:sldLayoutMk cId="294128816" sldId="2147483688"/>
+              <ac:spMk id="11" creationId="{96F3D870-2D15-4DB3-A8EE-784E55FFFF1C}"/>
+            </ac:spMkLst>
+          </pc:spChg>
+          <pc:picChg chg="add mod">
+            <ac:chgData name="Judson Santiago" userId="ebb108da2f256286" providerId="LiveId" clId="{169459C6-7053-4F98-BCD9-70A926FA316E}" dt="2021-07-24T20:07:50.295" v="2"/>
+            <ac:picMkLst>
+              <pc:docMk/>
+              <pc:sldMasterMk cId="3191364939" sldId="2147483687"/>
+              <pc:sldLayoutMk cId="294128816" sldId="2147483688"/>
+              <ac:picMk id="7" creationId="{5096A146-F275-4A4D-9C19-7489507EE0F7}"/>
+            </ac:picMkLst>
+          </pc:picChg>
+          <pc:picChg chg="del">
+            <ac:chgData name="Judson Santiago" userId="ebb108da2f256286" providerId="LiveId" clId="{169459C6-7053-4F98-BCD9-70A926FA316E}" dt="2021-07-24T20:07:47.048" v="0" actId="478"/>
+            <ac:picMkLst>
+              <pc:docMk/>
+              <pc:sldMasterMk cId="3191364939" sldId="2147483687"/>
+              <pc:sldLayoutMk cId="294128816" sldId="2147483688"/>
+              <ac:picMk id="8" creationId="{BEF47DFF-3CB1-4321-94ED-FC3D04CCEE5C}"/>
+            </ac:picMkLst>
+          </pc:picChg>
         </pc:sldLayoutChg>
       </pc:sldMasterChg>
     </pc:docChg>
@@ -9105,7 +9497,7 @@
           <a:p>
             <a:fld id="{A27D232B-A0D8-4A8D-9E79-3B9997589889}" type="datetimeFigureOut">
               <a:rPr lang="pt-BR" smtClean="0"/>
-              <a:t>16/03/2020</a:t>
+              <a:t>24/07/2021</a:t>
             </a:fld>
             <a:endParaRPr lang="pt-BR"/>
           </a:p>
@@ -9417,13 +9809,36 @@
           <a:lstStyle/>
           <a:p>
             <a:r>
-              <a:rPr lang="pt-BR" dirty="0"/>
-              <a:t>Nos sistemas atuais, a exibição de imagens na tela se dá através de </a:t>
-            </a:r>
-            <a:r>
-              <a:rPr lang="pt-BR"/>
-              <a:t>uma janela.</a:t>
-            </a:r>
+              <a:rPr lang="pt-BR" b="0" i="0" dirty="0">
+                <a:solidFill>
+                  <a:srgbClr val="000000"/>
+                </a:solidFill>
+                <a:effectLst/>
+                <a:latin typeface="Verdana" panose="020B0604030504040204" pitchFamily="34" charset="0"/>
+              </a:rPr>
+              <a:t>Principais características do sistema operacional Windows e o seu modelo de programação. Criação de caixas de mensagens e janelas. Adaptação das janelas para a criação de aplicações gráficas. Personalização do ícone e cursor da aplicação. Definição de uma classe </a:t>
+            </a:r>
+            <a:r>
+              <a:rPr lang="pt-BR" b="0" i="0" dirty="0" err="1">
+                <a:solidFill>
+                  <a:srgbClr val="000000"/>
+                </a:solidFill>
+                <a:effectLst/>
+                <a:latin typeface="Verdana" panose="020B0604030504040204" pitchFamily="34" charset="0"/>
+              </a:rPr>
+              <a:t>Window</a:t>
+            </a:r>
+            <a:r>
+              <a:rPr lang="pt-BR" b="0" i="0" dirty="0">
+                <a:solidFill>
+                  <a:srgbClr val="000000"/>
+                </a:solidFill>
+                <a:effectLst/>
+                <a:latin typeface="Verdana" panose="020B0604030504040204" pitchFamily="34" charset="0"/>
+              </a:rPr>
+              <a:t> para abstrair o processo de configuração e criação de janelas.</a:t>
+            </a:r>
+            <a:endParaRPr lang="pt-BR" dirty="0"/>
           </a:p>
         </p:txBody>
       </p:sp>
@@ -9444,7 +9859,7 @@
           <a:p>
             <a:fld id="{6E9A670B-A0C8-46B4-A2C3-0F9D7276AEB5}" type="slidenum">
               <a:rPr lang="pt-BR" smtClean="0"/>
-              <a:t>2</a:t>
+              <a:t>1</a:t>
             </a:fld>
             <a:endParaRPr lang="pt-BR"/>
           </a:p>
@@ -9453,7 +9868,7 @@
     </p:spTree>
     <p:extLst>
       <p:ext uri="{BB962C8B-B14F-4D97-AF65-F5344CB8AC3E}">
-        <p14:creationId xmlns:p14="http://schemas.microsoft.com/office/powerpoint/2010/main" val="2939926664"/>
+        <p14:creationId xmlns:p14="http://schemas.microsoft.com/office/powerpoint/2010/main" val="2999405709"/>
       </p:ext>
     </p:extLst>
   </p:cSld>
@@ -9509,7 +9924,7 @@
           <a:p>
             <a:r>
               <a:rPr lang="pt-BR" dirty="0"/>
-              <a:t>Alterando para “Não Definido” estamos usando o conjunto padrão, que é o ASCII.</a:t>
+              <a:t>As principais ferramentas e aplicativos já estão usando plataformas de 64-bits. PIX só funciona com aplicativos de 64-bits.</a:t>
             </a:r>
           </a:p>
         </p:txBody>
@@ -9529,10 +9944,9 @@
           <a:bodyPr/>
           <a:lstStyle/>
           <a:p>
-            <a:fld id="{EF334A8D-C5BE-432D-90D0-92D67DD437AB}" type="slidenum">
+            <a:fld id="{6E9A670B-A0C8-46B4-A2C3-0F9D7276AEB5}" type="slidenum">
               <a:rPr lang="pt-BR" smtClean="0"/>
-              <a:pPr/>
-              <a:t>19</a:t>
+              <a:t>17</a:t>
             </a:fld>
             <a:endParaRPr lang="pt-BR"/>
           </a:p>
@@ -9541,7 +9955,7 @@
     </p:spTree>
     <p:extLst>
       <p:ext uri="{BB962C8B-B14F-4D97-AF65-F5344CB8AC3E}">
-        <p14:creationId xmlns:p14="http://schemas.microsoft.com/office/powerpoint/2010/main" val="2090514732"/>
+        <p14:creationId xmlns:p14="http://schemas.microsoft.com/office/powerpoint/2010/main" val="4257208840"/>
       </p:ext>
     </p:extLst>
   </p:cSld>
@@ -9595,51 +10009,10 @@
           <a:bodyPr/>
           <a:lstStyle/>
           <a:p>
-            <a:pPr marL="0" marR="0" lvl="0" indent="0" algn="l" defTabSz="914400" rtl="0" eaLnBrk="1" fontAlgn="auto" latinLnBrk="0" hangingPunct="1">
-              <a:lnSpc>
-                <a:spcPct val="100000"/>
-              </a:lnSpc>
-              <a:spcBef>
-                <a:spcPts val="0"/>
-              </a:spcBef>
-              <a:spcAft>
-                <a:spcPts val="0"/>
-              </a:spcAft>
-              <a:buClrTx/>
-              <a:buSzTx/>
-              <a:buFontTx/>
-              <a:buNone/>
-              <a:tabLst/>
-              <a:defRPr/>
-            </a:pPr>
-            <a:r>
-              <a:rPr lang="pt-BR" sz="1200" dirty="0">
-                <a:solidFill>
-                  <a:schemeClr val="bg1"/>
-                </a:solidFill>
-              </a:rPr>
-              <a:t>» Copiar e colar o programa do arquivo </a:t>
-            </a:r>
-            <a:r>
-              <a:rPr lang="pt-BR" sz="1200" b="1" dirty="0">
-                <a:solidFill>
-                  <a:schemeClr val="bg1"/>
-                </a:solidFill>
-              </a:rPr>
-              <a:t>HelloMsg.txt </a:t>
-            </a:r>
             <a:r>
               <a:rPr lang="pt-BR" dirty="0"/>
-              <a:t>ou abrir o projeto pronto </a:t>
-            </a:r>
-            <a:r>
-              <a:rPr lang="pt-BR" b="1" dirty="0" err="1"/>
-              <a:t>HelloWindows</a:t>
-            </a:r>
-            <a:endParaRPr lang="pt-BR" b="1" dirty="0"/>
-          </a:p>
-          <a:p>
-            <a:endParaRPr lang="pt-BR" dirty="0"/>
+              <a:t>Alterando para “Não Definido” estamos usando o conjunto padrão, que é o ASCII.</a:t>
+            </a:r>
           </a:p>
         </p:txBody>
       </p:sp>
@@ -9661,7 +10034,7 @@
             <a:fld id="{EF334A8D-C5BE-432D-90D0-92D67DD437AB}" type="slidenum">
               <a:rPr lang="pt-BR" smtClean="0"/>
               <a:pPr/>
-              <a:t>20</a:t>
+              <a:t>19</a:t>
             </a:fld>
             <a:endParaRPr lang="pt-BR"/>
           </a:p>
@@ -9670,7 +10043,7 @@
     </p:spTree>
     <p:extLst>
       <p:ext uri="{BB962C8B-B14F-4D97-AF65-F5344CB8AC3E}">
-        <p14:creationId xmlns:p14="http://schemas.microsoft.com/office/powerpoint/2010/main" val="834620917"/>
+        <p14:creationId xmlns:p14="http://schemas.microsoft.com/office/powerpoint/2010/main" val="2090514732"/>
       </p:ext>
     </p:extLst>
   </p:cSld>
@@ -9699,7 +10072,7 @@
       </p:grpSpPr>
       <p:sp>
         <p:nvSpPr>
-          <p:cNvPr id="2" name="Slide Image Placeholder 1"/>
+          <p:cNvPr id="2" name="Espaço Reservado para Imagem de Slide 1"/>
           <p:cNvSpPr>
             <a:spLocks noGrp="1" noRot="1" noChangeAspect="1"/>
           </p:cNvSpPr>
@@ -9707,16 +10080,11 @@
             <p:ph type="sldImg"/>
           </p:nvPr>
         </p:nvSpPr>
-        <p:spPr>
-          <a:xfrm>
-            <a:off x="381000" y="685800"/>
-            <a:ext cx="6096000" cy="3429000"/>
-          </a:xfrm>
-        </p:spPr>
+        <p:spPr/>
       </p:sp>
       <p:sp>
         <p:nvSpPr>
-          <p:cNvPr id="3" name="Notes Placeholder 2"/>
+          <p:cNvPr id="3" name="Espaço Reservado para Anotações 2"/>
           <p:cNvSpPr>
             <a:spLocks noGrp="1"/>
           </p:cNvSpPr>
@@ -9729,18 +10097,62 @@
           <a:bodyPr/>
           <a:lstStyle/>
           <a:p>
-            <a:endParaRPr lang="pt-BR"/>
+            <a:pPr marL="0" marR="0" lvl="0" indent="0" algn="l" defTabSz="914400" rtl="0" eaLnBrk="1" fontAlgn="auto" latinLnBrk="0" hangingPunct="1">
+              <a:lnSpc>
+                <a:spcPct val="100000"/>
+              </a:lnSpc>
+              <a:spcBef>
+                <a:spcPts val="0"/>
+              </a:spcBef>
+              <a:spcAft>
+                <a:spcPts val="0"/>
+              </a:spcAft>
+              <a:buClrTx/>
+              <a:buSzTx/>
+              <a:buFontTx/>
+              <a:buNone/>
+              <a:tabLst/>
+              <a:defRPr/>
+            </a:pPr>
+            <a:r>
+              <a:rPr lang="pt-BR" sz="1200" dirty="0">
+                <a:solidFill>
+                  <a:schemeClr val="bg1"/>
+                </a:solidFill>
+              </a:rPr>
+              <a:t>» Copiar e colar o programa do arquivo </a:t>
+            </a:r>
+            <a:r>
+              <a:rPr lang="pt-BR" sz="1200" b="1" dirty="0">
+                <a:solidFill>
+                  <a:schemeClr val="bg1"/>
+                </a:solidFill>
+              </a:rPr>
+              <a:t>HelloMsg.txt </a:t>
+            </a:r>
+            <a:r>
+              <a:rPr lang="pt-BR" dirty="0"/>
+              <a:t>ou abrir o projeto pronto </a:t>
+            </a:r>
+            <a:r>
+              <a:rPr lang="pt-BR" b="1" dirty="0" err="1"/>
+              <a:t>HelloWindows</a:t>
+            </a:r>
+            <a:endParaRPr lang="pt-BR" b="1" dirty="0"/>
+          </a:p>
+          <a:p>
+            <a:endParaRPr lang="pt-BR" dirty="0"/>
           </a:p>
         </p:txBody>
       </p:sp>
       <p:sp>
         <p:nvSpPr>
-          <p:cNvPr id="4" name="Slide Number Placeholder 3"/>
+          <p:cNvPr id="4" name="Espaço Reservado para Número de Slide 3"/>
           <p:cNvSpPr>
             <a:spLocks noGrp="1"/>
           </p:cNvSpPr>
           <p:nvPr>
-            <p:ph type="sldNum" sz="quarter" idx="10"/>
+            <p:ph type="sldNum" sz="quarter" idx="5"/>
           </p:nvPr>
         </p:nvSpPr>
         <p:spPr/>
@@ -9748,9 +10160,10 @@
           <a:bodyPr/>
           <a:lstStyle/>
           <a:p>
-            <a:fld id="{25732CAE-24FB-40B5-80FE-C0DD30A05A09}" type="slidenum">
+            <a:fld id="{EF334A8D-C5BE-432D-90D0-92D67DD437AB}" type="slidenum">
               <a:rPr lang="pt-BR" smtClean="0"/>
-              <a:t>21</a:t>
+              <a:pPr/>
+              <a:t>20</a:t>
             </a:fld>
             <a:endParaRPr lang="pt-BR"/>
           </a:p>
@@ -9759,7 +10172,7 @@
     </p:spTree>
     <p:extLst>
       <p:ext uri="{BB962C8B-B14F-4D97-AF65-F5344CB8AC3E}">
-        <p14:creationId xmlns:p14="http://schemas.microsoft.com/office/powerpoint/2010/main" val="1799721461"/>
+        <p14:creationId xmlns:p14="http://schemas.microsoft.com/office/powerpoint/2010/main" val="834620917"/>
       </p:ext>
     </p:extLst>
   </p:cSld>
@@ -9818,107 +10231,7 @@
           <a:bodyPr/>
           <a:lstStyle/>
           <a:p>
-            <a:r>
-              <a:rPr lang="pt-BR" dirty="0"/>
-              <a:t>APIENTRY é definido como WINAPI, que é definido como __</a:t>
-            </a:r>
-            <a:r>
-              <a:rPr lang="pt-BR" dirty="0" err="1"/>
-              <a:t>stdcall</a:t>
-            </a:r>
-            <a:r>
-              <a:rPr lang="pt-BR" dirty="0"/>
-              <a:t>, </a:t>
-            </a:r>
-            <a:r>
-              <a:rPr lang="pt-BR" baseline="0" dirty="0"/>
-              <a:t>um modificador que define como deve ser usada a pilha na passagem de argumentos e no retorno de valores em uma chamada de função. </a:t>
-            </a:r>
-            <a:r>
-              <a:rPr lang="pt-BR" sz="1200" b="0" i="0" kern="1200" dirty="0">
-                <a:solidFill>
-                  <a:schemeClr val="tx1"/>
-                </a:solidFill>
-                <a:effectLst/>
-                <a:latin typeface="+mn-lt"/>
-                <a:ea typeface="+mn-ea"/>
-                <a:cs typeface="+mn-cs"/>
-              </a:rPr>
-              <a:t>As designações _In_ e _In_opt_ fazem parte da “Microsoft </a:t>
-            </a:r>
-            <a:r>
-              <a:rPr lang="pt-BR" sz="1200" b="0" i="0" kern="1200" dirty="0" err="1">
-                <a:solidFill>
-                  <a:schemeClr val="tx1"/>
-                </a:solidFill>
-                <a:effectLst/>
-                <a:latin typeface="+mn-lt"/>
-                <a:ea typeface="+mn-ea"/>
-                <a:cs typeface="+mn-cs"/>
-              </a:rPr>
-              <a:t>source-code</a:t>
-            </a:r>
-            <a:r>
-              <a:rPr lang="pt-BR" sz="1200" b="0" i="0" kern="1200" dirty="0">
-                <a:solidFill>
-                  <a:schemeClr val="tx1"/>
-                </a:solidFill>
-                <a:effectLst/>
-                <a:latin typeface="+mn-lt"/>
-                <a:ea typeface="+mn-ea"/>
-                <a:cs typeface="+mn-cs"/>
-              </a:rPr>
-              <a:t> </a:t>
-            </a:r>
-            <a:r>
-              <a:rPr lang="pt-BR" sz="1200" b="0" i="0" kern="1200" dirty="0" err="1">
-                <a:solidFill>
-                  <a:schemeClr val="tx1"/>
-                </a:solidFill>
-                <a:effectLst/>
-                <a:latin typeface="+mn-lt"/>
-                <a:ea typeface="+mn-ea"/>
-                <a:cs typeface="+mn-cs"/>
-              </a:rPr>
-              <a:t>annotation</a:t>
-            </a:r>
-            <a:r>
-              <a:rPr lang="pt-BR" sz="1200" b="0" i="0" kern="1200" dirty="0">
-                <a:solidFill>
-                  <a:schemeClr val="tx1"/>
-                </a:solidFill>
-                <a:effectLst/>
-                <a:latin typeface="+mn-lt"/>
-                <a:ea typeface="+mn-ea"/>
-                <a:cs typeface="+mn-cs"/>
-              </a:rPr>
-              <a:t> </a:t>
-            </a:r>
-            <a:r>
-              <a:rPr lang="pt-BR" sz="1200" b="0" i="0" kern="1200" dirty="0" err="1">
-                <a:solidFill>
-                  <a:schemeClr val="tx1"/>
-                </a:solidFill>
-                <a:effectLst/>
-                <a:latin typeface="+mn-lt"/>
-                <a:ea typeface="+mn-ea"/>
-                <a:cs typeface="+mn-cs"/>
-              </a:rPr>
-              <a:t>language</a:t>
-            </a:r>
-            <a:r>
-              <a:rPr lang="pt-BR" sz="1200" b="0" i="0" kern="1200" dirty="0">
-                <a:solidFill>
-                  <a:schemeClr val="tx1"/>
-                </a:solidFill>
-                <a:effectLst/>
-                <a:latin typeface="+mn-lt"/>
-                <a:ea typeface="+mn-ea"/>
-                <a:cs typeface="+mn-cs"/>
-              </a:rPr>
-              <a:t>” (SAL) e são usadas pela ferramenta de Análise de Código do Visual Studio.</a:t>
-            </a:r>
-            <a:endParaRPr lang="pt-BR" dirty="0"/>
+            <a:endParaRPr lang="pt-BR"/>
           </a:p>
         </p:txBody>
       </p:sp>
@@ -9939,7 +10252,7 @@
           <a:p>
             <a:fld id="{25732CAE-24FB-40B5-80FE-C0DD30A05A09}" type="slidenum">
               <a:rPr lang="pt-BR" smtClean="0"/>
-              <a:t>22</a:t>
+              <a:t>21</a:t>
             </a:fld>
             <a:endParaRPr lang="pt-BR"/>
           </a:p>
@@ -9948,7 +10261,7 @@
     </p:spTree>
     <p:extLst>
       <p:ext uri="{BB962C8B-B14F-4D97-AF65-F5344CB8AC3E}">
-        <p14:creationId xmlns:p14="http://schemas.microsoft.com/office/powerpoint/2010/main" val="3629976562"/>
+        <p14:creationId xmlns:p14="http://schemas.microsoft.com/office/powerpoint/2010/main" val="1799721461"/>
       </p:ext>
     </p:extLst>
   </p:cSld>
@@ -10009,19 +10322,103 @@
           <a:p>
             <a:r>
               <a:rPr lang="pt-BR" dirty="0"/>
-              <a:t>Em versões antigas do windows, ao abrir várias</a:t>
+              <a:t>APIENTRY é definido como WINAPI, que é definido como __</a:t>
+            </a:r>
+            <a:r>
+              <a:rPr lang="pt-BR" dirty="0" err="1"/>
+              <a:t>stdcall</a:t>
+            </a:r>
+            <a:r>
+              <a:rPr lang="pt-BR" dirty="0"/>
+              <a:t>, </a:t>
             </a:r>
             <a:r>
               <a:rPr lang="pt-BR" baseline="0" dirty="0"/>
-              <a:t> cópias simultâneas do mesmo programa, </a:t>
-            </a:r>
-            <a:r>
-              <a:rPr lang="pt-BR" dirty="0"/>
-              <a:t>hPrevInstance guardava a identificação da última</a:t>
-            </a:r>
-            <a:r>
-              <a:rPr lang="pt-BR" baseline="0" dirty="0"/>
-              <a:t> instância aberta. Isso permitia que a nova cópia obtivesse dados da outra instância e se configurasse mais rapidamente.</a:t>
+              <a:t>um modificador que define como deve ser usada a pilha na passagem de argumentos e no retorno de valores em uma chamada de função. </a:t>
+            </a:r>
+            <a:r>
+              <a:rPr lang="pt-BR" sz="1200" b="0" i="0" kern="1200" dirty="0">
+                <a:solidFill>
+                  <a:schemeClr val="tx1"/>
+                </a:solidFill>
+                <a:effectLst/>
+                <a:latin typeface="+mn-lt"/>
+                <a:ea typeface="+mn-ea"/>
+                <a:cs typeface="+mn-cs"/>
+              </a:rPr>
+              <a:t>As designações _In_ e _In_opt_ fazem parte da “Microsoft </a:t>
+            </a:r>
+            <a:r>
+              <a:rPr lang="pt-BR" sz="1200" b="0" i="0" kern="1200" dirty="0" err="1">
+                <a:solidFill>
+                  <a:schemeClr val="tx1"/>
+                </a:solidFill>
+                <a:effectLst/>
+                <a:latin typeface="+mn-lt"/>
+                <a:ea typeface="+mn-ea"/>
+                <a:cs typeface="+mn-cs"/>
+              </a:rPr>
+              <a:t>source-code</a:t>
+            </a:r>
+            <a:r>
+              <a:rPr lang="pt-BR" sz="1200" b="0" i="0" kern="1200" dirty="0">
+                <a:solidFill>
+                  <a:schemeClr val="tx1"/>
+                </a:solidFill>
+                <a:effectLst/>
+                <a:latin typeface="+mn-lt"/>
+                <a:ea typeface="+mn-ea"/>
+                <a:cs typeface="+mn-cs"/>
+              </a:rPr>
+              <a:t> </a:t>
+            </a:r>
+            <a:r>
+              <a:rPr lang="pt-BR" sz="1200" b="0" i="0" kern="1200" dirty="0" err="1">
+                <a:solidFill>
+                  <a:schemeClr val="tx1"/>
+                </a:solidFill>
+                <a:effectLst/>
+                <a:latin typeface="+mn-lt"/>
+                <a:ea typeface="+mn-ea"/>
+                <a:cs typeface="+mn-cs"/>
+              </a:rPr>
+              <a:t>annotation</a:t>
+            </a:r>
+            <a:r>
+              <a:rPr lang="pt-BR" sz="1200" b="0" i="0" kern="1200" dirty="0">
+                <a:solidFill>
+                  <a:schemeClr val="tx1"/>
+                </a:solidFill>
+                <a:effectLst/>
+                <a:latin typeface="+mn-lt"/>
+                <a:ea typeface="+mn-ea"/>
+                <a:cs typeface="+mn-cs"/>
+              </a:rPr>
+              <a:t> </a:t>
+            </a:r>
+            <a:r>
+              <a:rPr lang="pt-BR" sz="1200" b="0" i="0" kern="1200" dirty="0" err="1">
+                <a:solidFill>
+                  <a:schemeClr val="tx1"/>
+                </a:solidFill>
+                <a:effectLst/>
+                <a:latin typeface="+mn-lt"/>
+                <a:ea typeface="+mn-ea"/>
+                <a:cs typeface="+mn-cs"/>
+              </a:rPr>
+              <a:t>language</a:t>
+            </a:r>
+            <a:r>
+              <a:rPr lang="pt-BR" sz="1200" b="0" i="0" kern="1200" dirty="0">
+                <a:solidFill>
+                  <a:schemeClr val="tx1"/>
+                </a:solidFill>
+                <a:effectLst/>
+                <a:latin typeface="+mn-lt"/>
+                <a:ea typeface="+mn-ea"/>
+                <a:cs typeface="+mn-cs"/>
+              </a:rPr>
+              <a:t>” (SAL) e são usadas pela ferramenta de Análise de Código do Visual Studio.</a:t>
             </a:r>
             <a:endParaRPr lang="pt-BR" dirty="0"/>
           </a:p>
@@ -10044,7 +10441,7 @@
           <a:p>
             <a:fld id="{25732CAE-24FB-40B5-80FE-C0DD30A05A09}" type="slidenum">
               <a:rPr lang="pt-BR" smtClean="0"/>
-              <a:t>23</a:t>
+              <a:t>22</a:t>
             </a:fld>
             <a:endParaRPr lang="pt-BR"/>
           </a:p>
@@ -10053,7 +10450,7 @@
     </p:spTree>
     <p:extLst>
       <p:ext uri="{BB962C8B-B14F-4D97-AF65-F5344CB8AC3E}">
-        <p14:creationId xmlns:p14="http://schemas.microsoft.com/office/powerpoint/2010/main" val="3205688730"/>
+        <p14:creationId xmlns:p14="http://schemas.microsoft.com/office/powerpoint/2010/main" val="3629976562"/>
       </p:ext>
     </p:extLst>
   </p:cSld>
@@ -10112,7 +10509,23 @@
           <a:bodyPr/>
           <a:lstStyle/>
           <a:p>
-            <a:endParaRPr lang="pt-BR" b="1" dirty="0"/>
+            <a:r>
+              <a:rPr lang="pt-BR" dirty="0"/>
+              <a:t>Em versões antigas do windows, ao abrir várias</a:t>
+            </a:r>
+            <a:r>
+              <a:rPr lang="pt-BR" baseline="0" dirty="0"/>
+              <a:t> cópias simultâneas do mesmo programa, </a:t>
+            </a:r>
+            <a:r>
+              <a:rPr lang="pt-BR" dirty="0"/>
+              <a:t>hPrevInstance guardava a identificação da última</a:t>
+            </a:r>
+            <a:r>
+              <a:rPr lang="pt-BR" baseline="0" dirty="0"/>
+              <a:t> instância aberta. Isso permitia que a nova cópia obtivesse dados da outra instância e se configurasse mais rapidamente.</a:t>
+            </a:r>
+            <a:endParaRPr lang="pt-BR" dirty="0"/>
           </a:p>
         </p:txBody>
       </p:sp>
@@ -10133,6 +10546,95 @@
           <a:p>
             <a:fld id="{25732CAE-24FB-40B5-80FE-C0DD30A05A09}" type="slidenum">
               <a:rPr lang="pt-BR" smtClean="0"/>
+              <a:t>23</a:t>
+            </a:fld>
+            <a:endParaRPr lang="pt-BR"/>
+          </a:p>
+        </p:txBody>
+      </p:sp>
+    </p:spTree>
+    <p:extLst>
+      <p:ext uri="{BB962C8B-B14F-4D97-AF65-F5344CB8AC3E}">
+        <p14:creationId xmlns:p14="http://schemas.microsoft.com/office/powerpoint/2010/main" val="3205688730"/>
+      </p:ext>
+    </p:extLst>
+  </p:cSld>
+  <p:clrMapOvr>
+    <a:masterClrMapping/>
+  </p:clrMapOvr>
+</p:notes>
+</file>
+
+<file path=ppt/notesSlides/notesSlide16.xml><?xml version="1.0" encoding="utf-8"?>
+<p:notes xmlns:a="http://schemas.openxmlformats.org/drawingml/2006/main" xmlns:r="http://schemas.openxmlformats.org/officeDocument/2006/relationships" xmlns:p="http://schemas.openxmlformats.org/presentationml/2006/main">
+  <p:cSld>
+    <p:spTree>
+      <p:nvGrpSpPr>
+        <p:cNvPr id="1" name=""/>
+        <p:cNvGrpSpPr/>
+        <p:nvPr/>
+      </p:nvGrpSpPr>
+      <p:grpSpPr>
+        <a:xfrm>
+          <a:off x="0" y="0"/>
+          <a:ext cx="0" cy="0"/>
+          <a:chOff x="0" y="0"/>
+          <a:chExt cx="0" cy="0"/>
+        </a:xfrm>
+      </p:grpSpPr>
+      <p:sp>
+        <p:nvSpPr>
+          <p:cNvPr id="2" name="Slide Image Placeholder 1"/>
+          <p:cNvSpPr>
+            <a:spLocks noGrp="1" noRot="1" noChangeAspect="1"/>
+          </p:cNvSpPr>
+          <p:nvPr>
+            <p:ph type="sldImg"/>
+          </p:nvPr>
+        </p:nvSpPr>
+        <p:spPr>
+          <a:xfrm>
+            <a:off x="381000" y="685800"/>
+            <a:ext cx="6096000" cy="3429000"/>
+          </a:xfrm>
+        </p:spPr>
+      </p:sp>
+      <p:sp>
+        <p:nvSpPr>
+          <p:cNvPr id="3" name="Notes Placeholder 2"/>
+          <p:cNvSpPr>
+            <a:spLocks noGrp="1"/>
+          </p:cNvSpPr>
+          <p:nvPr>
+            <p:ph type="body" idx="1"/>
+          </p:nvPr>
+        </p:nvSpPr>
+        <p:spPr/>
+        <p:txBody>
+          <a:bodyPr/>
+          <a:lstStyle/>
+          <a:p>
+            <a:endParaRPr lang="pt-BR" b="1" dirty="0"/>
+          </a:p>
+        </p:txBody>
+      </p:sp>
+      <p:sp>
+        <p:nvSpPr>
+          <p:cNvPr id="4" name="Slide Number Placeholder 3"/>
+          <p:cNvSpPr>
+            <a:spLocks noGrp="1"/>
+          </p:cNvSpPr>
+          <p:nvPr>
+            <p:ph type="sldNum" sz="quarter" idx="10"/>
+          </p:nvPr>
+        </p:nvSpPr>
+        <p:spPr/>
+        <p:txBody>
+          <a:bodyPr/>
+          <a:lstStyle/>
+          <a:p>
+            <a:fld id="{25732CAE-24FB-40B5-80FE-C0DD30A05A09}" type="slidenum">
+              <a:rPr lang="pt-BR" smtClean="0"/>
               <a:t>24</a:t>
             </a:fld>
             <a:endParaRPr lang="pt-BR"/>
@@ -10152,7 +10654,7 @@
 </p:notes>
 </file>
 
-<file path=ppt/notesSlides/notesSlide16.xml><?xml version="1.0" encoding="utf-8"?>
+<file path=ppt/notesSlides/notesSlide17.xml><?xml version="1.0" encoding="utf-8"?>
 <p:notes xmlns:a="http://schemas.openxmlformats.org/drawingml/2006/main" xmlns:r="http://schemas.openxmlformats.org/officeDocument/2006/relationships" xmlns:p="http://schemas.openxmlformats.org/presentationml/2006/main">
   <p:cSld>
     <p:spTree>
@@ -10241,109 +10743,6 @@
     <p:extLst>
       <p:ext uri="{BB962C8B-B14F-4D97-AF65-F5344CB8AC3E}">
         <p14:creationId xmlns:p14="http://schemas.microsoft.com/office/powerpoint/2010/main" val="969024254"/>
-      </p:ext>
-    </p:extLst>
-  </p:cSld>
-  <p:clrMapOvr>
-    <a:masterClrMapping/>
-  </p:clrMapOvr>
-</p:notes>
-</file>
-
-<file path=ppt/notesSlides/notesSlide17.xml><?xml version="1.0" encoding="utf-8"?>
-<p:notes xmlns:a="http://schemas.openxmlformats.org/drawingml/2006/main" xmlns:r="http://schemas.openxmlformats.org/officeDocument/2006/relationships" xmlns:p="http://schemas.openxmlformats.org/presentationml/2006/main">
-  <p:cSld>
-    <p:spTree>
-      <p:nvGrpSpPr>
-        <p:cNvPr id="1" name=""/>
-        <p:cNvGrpSpPr/>
-        <p:nvPr/>
-      </p:nvGrpSpPr>
-      <p:grpSpPr>
-        <a:xfrm>
-          <a:off x="0" y="0"/>
-          <a:ext cx="0" cy="0"/>
-          <a:chOff x="0" y="0"/>
-          <a:chExt cx="0" cy="0"/>
-        </a:xfrm>
-      </p:grpSpPr>
-      <p:sp>
-        <p:nvSpPr>
-          <p:cNvPr id="2" name="Espaço Reservado para Imagem de Slide 1"/>
-          <p:cNvSpPr>
-            <a:spLocks noGrp="1" noRot="1" noChangeAspect="1"/>
-          </p:cNvSpPr>
-          <p:nvPr>
-            <p:ph type="sldImg"/>
-          </p:nvPr>
-        </p:nvSpPr>
-        <p:spPr/>
-      </p:sp>
-      <p:sp>
-        <p:nvSpPr>
-          <p:cNvPr id="3" name="Espaço Reservado para Anotações 2"/>
-          <p:cNvSpPr>
-            <a:spLocks noGrp="1"/>
-          </p:cNvSpPr>
-          <p:nvPr>
-            <p:ph type="body" idx="1"/>
-          </p:nvPr>
-        </p:nvSpPr>
-        <p:spPr/>
-        <p:txBody>
-          <a:bodyPr/>
-          <a:lstStyle/>
-          <a:p>
-            <a:r>
-              <a:rPr lang="pt-BR" dirty="0" err="1"/>
-              <a:t>TranslateMessage</a:t>
-            </a:r>
-            <a:r>
-              <a:rPr lang="pt-BR" baseline="0" dirty="0"/>
-              <a:t> – traduz os códigos de teclas de “Virtual Key Codes” para o formato WM_CHAR (caractere). </a:t>
-            </a:r>
-          </a:p>
-          <a:p>
-            <a:r>
-              <a:rPr lang="pt-BR" baseline="0" dirty="0" err="1"/>
-              <a:t>DispatchMessage</a:t>
-            </a:r>
-            <a:r>
-              <a:rPr lang="pt-BR" baseline="0" dirty="0"/>
-              <a:t> – despacha as mensagens já traduzidas para a Window Procedure.</a:t>
-            </a:r>
-            <a:endParaRPr lang="pt-BR" dirty="0"/>
-          </a:p>
-        </p:txBody>
-      </p:sp>
-      <p:sp>
-        <p:nvSpPr>
-          <p:cNvPr id="4" name="Espaço Reservado para Número de Slide 3"/>
-          <p:cNvSpPr>
-            <a:spLocks noGrp="1"/>
-          </p:cNvSpPr>
-          <p:nvPr>
-            <p:ph type="sldNum" sz="quarter" idx="10"/>
-          </p:nvPr>
-        </p:nvSpPr>
-        <p:spPr/>
-        <p:txBody>
-          <a:bodyPr/>
-          <a:lstStyle/>
-          <a:p>
-            <a:fld id="{EF334A8D-C5BE-432D-90D0-92D67DD437AB}" type="slidenum">
-              <a:rPr lang="pt-BR" smtClean="0"/>
-              <a:pPr/>
-              <a:t>27</a:t>
-            </a:fld>
-            <a:endParaRPr lang="pt-BR"/>
-          </a:p>
-        </p:txBody>
-      </p:sp>
-    </p:spTree>
-    <p:extLst>
-      <p:ext uri="{BB962C8B-B14F-4D97-AF65-F5344CB8AC3E}">
-        <p14:creationId xmlns:p14="http://schemas.microsoft.com/office/powerpoint/2010/main" val="2797507936"/>
       </p:ext>
     </p:extLst>
   </p:cSld>
@@ -10397,42 +10796,24 @@
           <a:bodyPr/>
           <a:lstStyle/>
           <a:p>
-            <a:pPr marL="0" marR="0" lvl="0" indent="0" algn="l" defTabSz="914400" rtl="0" eaLnBrk="1" fontAlgn="auto" latinLnBrk="0" hangingPunct="1">
-              <a:lnSpc>
-                <a:spcPct val="100000"/>
-              </a:lnSpc>
-              <a:spcBef>
-                <a:spcPts val="0"/>
-              </a:spcBef>
-              <a:spcAft>
-                <a:spcPts val="0"/>
-              </a:spcAft>
-              <a:buClrTx/>
-              <a:buSzTx/>
-              <a:buFontTx/>
-              <a:buNone/>
-              <a:tabLst/>
-              <a:defRPr/>
-            </a:pPr>
-            <a:r>
-              <a:rPr lang="pt-BR" sz="1200" dirty="0">
-                <a:solidFill>
-                  <a:schemeClr val="bg1"/>
-                </a:solidFill>
-              </a:rPr>
-              <a:t>» Mostrar o projeto </a:t>
-            </a:r>
-            <a:r>
-              <a:rPr lang="pt-BR" sz="1200" b="1">
-                <a:solidFill>
-                  <a:schemeClr val="bg1"/>
-                </a:solidFill>
-              </a:rPr>
-              <a:t>ProgWindows</a:t>
-            </a:r>
-            <a:endParaRPr lang="pt-BR" b="1" dirty="0"/>
-          </a:p>
-          <a:p>
+            <a:r>
+              <a:rPr lang="pt-BR" dirty="0" err="1"/>
+              <a:t>TranslateMessage</a:t>
+            </a:r>
+            <a:r>
+              <a:rPr lang="pt-BR" baseline="0" dirty="0"/>
+              <a:t> – traduz os códigos de teclas de “Virtual Key Codes” para o formato WM_CHAR (caractere). </a:t>
+            </a:r>
+          </a:p>
+          <a:p>
+            <a:r>
+              <a:rPr lang="pt-BR" baseline="0" dirty="0" err="1"/>
+              <a:t>DispatchMessage</a:t>
+            </a:r>
+            <a:r>
+              <a:rPr lang="pt-BR" baseline="0" dirty="0"/>
+              <a:t> – despacha as mensagens já traduzidas para a Window Procedure.</a:t>
+            </a:r>
             <a:endParaRPr lang="pt-BR" dirty="0"/>
           </a:p>
         </p:txBody>
@@ -10444,7 +10825,7 @@
             <a:spLocks noGrp="1"/>
           </p:cNvSpPr>
           <p:nvPr>
-            <p:ph type="sldNum" sz="quarter" idx="5"/>
+            <p:ph type="sldNum" sz="quarter" idx="10"/>
           </p:nvPr>
         </p:nvSpPr>
         <p:spPr/>
@@ -10455,7 +10836,7 @@
             <a:fld id="{EF334A8D-C5BE-432D-90D0-92D67DD437AB}" type="slidenum">
               <a:rPr lang="pt-BR" smtClean="0"/>
               <a:pPr/>
-              <a:t>38</a:t>
+              <a:t>27</a:t>
             </a:fld>
             <a:endParaRPr lang="pt-BR"/>
           </a:p>
@@ -10464,7 +10845,7 @@
     </p:spTree>
     <p:extLst>
       <p:ext uri="{BB962C8B-B14F-4D97-AF65-F5344CB8AC3E}">
-        <p14:creationId xmlns:p14="http://schemas.microsoft.com/office/powerpoint/2010/main" val="2817369726"/>
+        <p14:creationId xmlns:p14="http://schemas.microsoft.com/office/powerpoint/2010/main" val="2797507936"/>
       </p:ext>
     </p:extLst>
   </p:cSld>
@@ -10535,7 +10916,26 @@
               <a:tabLst/>
               <a:defRPr/>
             </a:pPr>
+            <a:r>
+              <a:rPr lang="pt-BR" sz="1200" dirty="0">
+                <a:solidFill>
+                  <a:schemeClr val="bg1"/>
+                </a:solidFill>
+              </a:rPr>
+              <a:t>» Mostrar o projeto </a:t>
+            </a:r>
+            <a:r>
+              <a:rPr lang="pt-BR" sz="1200" b="1">
+                <a:solidFill>
+                  <a:schemeClr val="bg1"/>
+                </a:solidFill>
+              </a:rPr>
+              <a:t>ProgWindows</a:t>
+            </a:r>
             <a:endParaRPr lang="pt-BR" b="1" dirty="0"/>
+          </a:p>
+          <a:p>
+            <a:endParaRPr lang="pt-BR" dirty="0"/>
           </a:p>
         </p:txBody>
       </p:sp>
@@ -10557,7 +10957,7 @@
             <a:fld id="{EF334A8D-C5BE-432D-90D0-92D67DD437AB}" type="slidenum">
               <a:rPr lang="pt-BR" smtClean="0"/>
               <a:pPr/>
-              <a:t>41</a:t>
+              <a:t>38</a:t>
             </a:fld>
             <a:endParaRPr lang="pt-BR"/>
           </a:p>
@@ -10566,7 +10966,7 @@
     </p:spTree>
     <p:extLst>
       <p:ext uri="{BB962C8B-B14F-4D97-AF65-F5344CB8AC3E}">
-        <p14:creationId xmlns:p14="http://schemas.microsoft.com/office/powerpoint/2010/main" val="4243511424"/>
+        <p14:creationId xmlns:p14="http://schemas.microsoft.com/office/powerpoint/2010/main" val="2817369726"/>
       </p:ext>
     </p:extLst>
   </p:cSld>
@@ -10603,12 +11003,7 @@
             <p:ph type="sldImg"/>
           </p:nvPr>
         </p:nvSpPr>
-        <p:spPr>
-          <a:xfrm>
-            <a:off x="381000" y="685800"/>
-            <a:ext cx="6096000" cy="3429000"/>
-          </a:xfrm>
-        </p:spPr>
+        <p:spPr/>
       </p:sp>
       <p:sp>
         <p:nvSpPr>
@@ -10627,13 +11022,12 @@
           <a:p>
             <a:r>
               <a:rPr lang="pt-BR" dirty="0"/>
-              <a:t>Eles acessam uma API que expõe</a:t>
-            </a:r>
-            <a:r>
-              <a:rPr lang="pt-BR" baseline="0" dirty="0"/>
-              <a:t> funcionalidades do sistema operacional e do hardware para a sua aplicação.</a:t>
-            </a:r>
-            <a:endParaRPr lang="pt-BR" dirty="0"/>
+              <a:t>Nos sistemas atuais, a exibição de imagens na tela se dá através de </a:t>
+            </a:r>
+            <a:r>
+              <a:rPr lang="pt-BR"/>
+              <a:t>uma janela.</a:t>
+            </a:r>
           </a:p>
         </p:txBody>
       </p:sp>
@@ -10644,7 +11038,7 @@
             <a:spLocks noGrp="1"/>
           </p:cNvSpPr>
           <p:nvPr>
-            <p:ph type="sldNum" sz="quarter" idx="10"/>
+            <p:ph type="sldNum" sz="quarter" idx="5"/>
           </p:nvPr>
         </p:nvSpPr>
         <p:spPr/>
@@ -10652,10 +11046,9 @@
           <a:bodyPr/>
           <a:lstStyle/>
           <a:p>
-            <a:fld id="{EF334A8D-C5BE-432D-90D0-92D67DD437AB}" type="slidenum">
+            <a:fld id="{6E9A670B-A0C8-46B4-A2C3-0F9D7276AEB5}" type="slidenum">
               <a:rPr lang="pt-BR" smtClean="0"/>
-              <a:pPr/>
-              <a:t>5</a:t>
+              <a:t>2</a:t>
             </a:fld>
             <a:endParaRPr lang="pt-BR"/>
           </a:p>
@@ -10664,7 +11057,7 @@
     </p:spTree>
     <p:extLst>
       <p:ext uri="{BB962C8B-B14F-4D97-AF65-F5344CB8AC3E}">
-        <p14:creationId xmlns:p14="http://schemas.microsoft.com/office/powerpoint/2010/main" val="1907411696"/>
+        <p14:creationId xmlns:p14="http://schemas.microsoft.com/office/powerpoint/2010/main" val="2939926664"/>
       </p:ext>
     </p:extLst>
   </p:cSld>
@@ -10718,7 +11111,24 @@
           <a:bodyPr/>
           <a:lstStyle/>
           <a:p>
-            <a:endParaRPr lang="pt-BR" dirty="0"/>
+            <a:pPr marL="0" marR="0" lvl="0" indent="0" algn="l" defTabSz="914400" rtl="0" eaLnBrk="1" fontAlgn="auto" latinLnBrk="0" hangingPunct="1">
+              <a:lnSpc>
+                <a:spcPct val="100000"/>
+              </a:lnSpc>
+              <a:spcBef>
+                <a:spcPts val="0"/>
+              </a:spcBef>
+              <a:spcAft>
+                <a:spcPts val="0"/>
+              </a:spcAft>
+              <a:buClrTx/>
+              <a:buSzTx/>
+              <a:buFontTx/>
+              <a:buNone/>
+              <a:tabLst/>
+              <a:defRPr/>
+            </a:pPr>
+            <a:endParaRPr lang="pt-BR" b="1" dirty="0"/>
           </a:p>
         </p:txBody>
       </p:sp>
@@ -10740,6 +11150,91 @@
             <a:fld id="{EF334A8D-C5BE-432D-90D0-92D67DD437AB}" type="slidenum">
               <a:rPr lang="pt-BR" smtClean="0"/>
               <a:pPr/>
+              <a:t>41</a:t>
+            </a:fld>
+            <a:endParaRPr lang="pt-BR"/>
+          </a:p>
+        </p:txBody>
+      </p:sp>
+    </p:spTree>
+    <p:extLst>
+      <p:ext uri="{BB962C8B-B14F-4D97-AF65-F5344CB8AC3E}">
+        <p14:creationId xmlns:p14="http://schemas.microsoft.com/office/powerpoint/2010/main" val="4243511424"/>
+      </p:ext>
+    </p:extLst>
+  </p:cSld>
+  <p:clrMapOvr>
+    <a:masterClrMapping/>
+  </p:clrMapOvr>
+</p:notes>
+</file>
+
+<file path=ppt/notesSlides/notesSlide21.xml><?xml version="1.0" encoding="utf-8"?>
+<p:notes xmlns:a="http://schemas.openxmlformats.org/drawingml/2006/main" xmlns:r="http://schemas.openxmlformats.org/officeDocument/2006/relationships" xmlns:p="http://schemas.openxmlformats.org/presentationml/2006/main">
+  <p:cSld>
+    <p:spTree>
+      <p:nvGrpSpPr>
+        <p:cNvPr id="1" name=""/>
+        <p:cNvGrpSpPr/>
+        <p:nvPr/>
+      </p:nvGrpSpPr>
+      <p:grpSpPr>
+        <a:xfrm>
+          <a:off x="0" y="0"/>
+          <a:ext cx="0" cy="0"/>
+          <a:chOff x="0" y="0"/>
+          <a:chExt cx="0" cy="0"/>
+        </a:xfrm>
+      </p:grpSpPr>
+      <p:sp>
+        <p:nvSpPr>
+          <p:cNvPr id="2" name="Espaço Reservado para Imagem de Slide 1"/>
+          <p:cNvSpPr>
+            <a:spLocks noGrp="1" noRot="1" noChangeAspect="1"/>
+          </p:cNvSpPr>
+          <p:nvPr>
+            <p:ph type="sldImg"/>
+          </p:nvPr>
+        </p:nvSpPr>
+        <p:spPr/>
+      </p:sp>
+      <p:sp>
+        <p:nvSpPr>
+          <p:cNvPr id="3" name="Espaço Reservado para Anotações 2"/>
+          <p:cNvSpPr>
+            <a:spLocks noGrp="1"/>
+          </p:cNvSpPr>
+          <p:nvPr>
+            <p:ph type="body" idx="1"/>
+          </p:nvPr>
+        </p:nvSpPr>
+        <p:spPr/>
+        <p:txBody>
+          <a:bodyPr/>
+          <a:lstStyle/>
+          <a:p>
+            <a:endParaRPr lang="pt-BR" dirty="0"/>
+          </a:p>
+        </p:txBody>
+      </p:sp>
+      <p:sp>
+        <p:nvSpPr>
+          <p:cNvPr id="4" name="Espaço Reservado para Número de Slide 3"/>
+          <p:cNvSpPr>
+            <a:spLocks noGrp="1"/>
+          </p:cNvSpPr>
+          <p:nvPr>
+            <p:ph type="sldNum" sz="quarter" idx="5"/>
+          </p:nvPr>
+        </p:nvSpPr>
+        <p:spPr/>
+        <p:txBody>
+          <a:bodyPr/>
+          <a:lstStyle/>
+          <a:p>
+            <a:fld id="{EF334A8D-C5BE-432D-90D0-92D67DD437AB}" type="slidenum">
+              <a:rPr lang="pt-BR" smtClean="0"/>
+              <a:pPr/>
               <a:t>42</a:t>
             </a:fld>
             <a:endParaRPr lang="pt-BR"/>
@@ -10759,7 +11254,7 @@
 </p:notes>
 </file>
 
-<file path=ppt/notesSlides/notesSlide21.xml><?xml version="1.0" encoding="utf-8"?>
+<file path=ppt/notesSlides/notesSlide22.xml><?xml version="1.0" encoding="utf-8"?>
 <p:notes xmlns:a="http://schemas.openxmlformats.org/drawingml/2006/main" xmlns:r="http://schemas.openxmlformats.org/officeDocument/2006/relationships" xmlns:p="http://schemas.openxmlformats.org/presentationml/2006/main">
   <p:cSld>
     <p:spTree>
@@ -10933,35 +11428,11 @@
           <a:p>
             <a:r>
               <a:rPr lang="pt-BR" dirty="0"/>
-              <a:t>int </a:t>
-            </a:r>
-            <a:r>
-              <a:rPr lang="pt-BR" dirty="0" err="1"/>
-              <a:t>main</a:t>
-            </a:r>
-            <a:r>
-              <a:rPr lang="pt-BR" dirty="0"/>
-              <a:t> (int</a:t>
+              <a:t>Eles acessam uma API que expõe</a:t>
             </a:r>
             <a:r>
               <a:rPr lang="pt-BR" baseline="0" dirty="0"/>
-              <a:t> </a:t>
-            </a:r>
-            <a:r>
-              <a:rPr lang="pt-BR" baseline="0" dirty="0" err="1"/>
-              <a:t>argc</a:t>
-            </a:r>
-            <a:r>
-              <a:rPr lang="pt-BR" baseline="0" dirty="0"/>
-              <a:t>, char ** </a:t>
-            </a:r>
-            <a:r>
-              <a:rPr lang="pt-BR" baseline="0" dirty="0" err="1"/>
-              <a:t>argv</a:t>
-            </a:r>
-            <a:r>
-              <a:rPr lang="pt-BR" baseline="0" dirty="0"/>
-              <a:t>)</a:t>
+              <a:t> funcionalidades do sistema operacional e do hardware para a sua aplicação.</a:t>
             </a:r>
             <a:endParaRPr lang="pt-BR" dirty="0"/>
           </a:p>
@@ -10982,9 +11453,10 @@
           <a:bodyPr/>
           <a:lstStyle/>
           <a:p>
-            <a:fld id="{25732CAE-24FB-40B5-80FE-C0DD30A05A09}" type="slidenum">
+            <a:fld id="{EF334A8D-C5BE-432D-90D0-92D67DD437AB}" type="slidenum">
               <a:rPr lang="pt-BR" smtClean="0"/>
-              <a:t>7</a:t>
+              <a:pPr/>
+              <a:t>5</a:t>
             </a:fld>
             <a:endParaRPr lang="pt-BR"/>
           </a:p>
@@ -10993,7 +11465,7 @@
     </p:spTree>
     <p:extLst>
       <p:ext uri="{BB962C8B-B14F-4D97-AF65-F5344CB8AC3E}">
-        <p14:creationId xmlns:p14="http://schemas.microsoft.com/office/powerpoint/2010/main" val="2842100208"/>
+        <p14:creationId xmlns:p14="http://schemas.microsoft.com/office/powerpoint/2010/main" val="1907411696"/>
       </p:ext>
     </p:extLst>
   </p:cSld>
@@ -11022,7 +11494,7 @@
       </p:grpSpPr>
       <p:sp>
         <p:nvSpPr>
-          <p:cNvPr id="2" name="Slide Image Placeholder 1"/>
+          <p:cNvPr id="2" name="Espaço Reservado para Imagem de Slide 1"/>
           <p:cNvSpPr>
             <a:spLocks noGrp="1" noRot="1" noChangeAspect="1"/>
           </p:cNvSpPr>
@@ -11039,7 +11511,7 @@
       </p:sp>
       <p:sp>
         <p:nvSpPr>
-          <p:cNvPr id="3" name="Notes Placeholder 2"/>
+          <p:cNvPr id="3" name="Espaço Reservado para Anotações 2"/>
           <p:cNvSpPr>
             <a:spLocks noGrp="1"/>
           </p:cNvSpPr>
@@ -11049,21 +11521,48 @@
         </p:nvSpPr>
         <p:spPr/>
         <p:txBody>
-          <a:bodyPr>
-            <a:normAutofit/>
-          </a:bodyPr>
+          <a:bodyPr/>
           <a:lstStyle/>
           <a:p>
             <a:r>
               <a:rPr lang="pt-BR" dirty="0"/>
-              <a:t>Se fechou a tela de boas vindas, pode sempre acessar a opção via menu.</a:t>
-            </a:r>
+              <a:t>int </a:t>
+            </a:r>
+            <a:r>
+              <a:rPr lang="pt-BR" dirty="0" err="1"/>
+              <a:t>main</a:t>
+            </a:r>
+            <a:r>
+              <a:rPr lang="pt-BR" dirty="0"/>
+              <a:t> (int</a:t>
+            </a:r>
+            <a:r>
+              <a:rPr lang="pt-BR" baseline="0" dirty="0"/>
+              <a:t> </a:t>
+            </a:r>
+            <a:r>
+              <a:rPr lang="pt-BR" baseline="0" dirty="0" err="1"/>
+              <a:t>argc</a:t>
+            </a:r>
+            <a:r>
+              <a:rPr lang="pt-BR" baseline="0" dirty="0"/>
+              <a:t>, char ** </a:t>
+            </a:r>
+            <a:r>
+              <a:rPr lang="pt-BR" baseline="0" dirty="0" err="1"/>
+              <a:t>argv</a:t>
+            </a:r>
+            <a:r>
+              <a:rPr lang="pt-BR" baseline="0" dirty="0"/>
+              <a:t>)</a:t>
+            </a:r>
+            <a:endParaRPr lang="pt-BR" dirty="0"/>
           </a:p>
         </p:txBody>
       </p:sp>
       <p:sp>
         <p:nvSpPr>
-          <p:cNvPr id="4" name="Slide Number Placeholder 3"/>
+          <p:cNvPr id="4" name="Espaço Reservado para Número de Slide 3"/>
           <p:cNvSpPr>
             <a:spLocks noGrp="1"/>
           </p:cNvSpPr>
@@ -11076,10 +11575,9 @@
           <a:bodyPr/>
           <a:lstStyle/>
           <a:p>
-            <a:fld id="{6AF2F81C-3F53-42F9-BE4C-7ED0FD39D783}" type="slidenum">
+            <a:fld id="{25732CAE-24FB-40B5-80FE-C0DD30A05A09}" type="slidenum">
               <a:rPr lang="pt-BR" smtClean="0"/>
-              <a:pPr/>
-              <a:t>10</a:t>
+              <a:t>7</a:t>
             </a:fld>
             <a:endParaRPr lang="pt-BR"/>
           </a:p>
@@ -11088,7 +11586,7 @@
     </p:spTree>
     <p:extLst>
       <p:ext uri="{BB962C8B-B14F-4D97-AF65-F5344CB8AC3E}">
-        <p14:creationId xmlns:p14="http://schemas.microsoft.com/office/powerpoint/2010/main" val="3636461834"/>
+        <p14:creationId xmlns:p14="http://schemas.microsoft.com/office/powerpoint/2010/main" val="2842100208"/>
       </p:ext>
     </p:extLst>
   </p:cSld>
@@ -11151,7 +11649,7 @@
           <a:p>
             <a:r>
               <a:rPr lang="pt-BR" dirty="0"/>
-              <a:t>Esse assistente cria um projeto que utiliza a biblioteca Win32</a:t>
+              <a:t>Se fechou a tela de boas vindas, pode sempre acessar a opção via menu.</a:t>
             </a:r>
           </a:p>
         </p:txBody>
@@ -11174,7 +11672,7 @@
             <a:fld id="{6AF2F81C-3F53-42F9-BE4C-7ED0FD39D783}" type="slidenum">
               <a:rPr lang="pt-BR" smtClean="0"/>
               <a:pPr/>
-              <a:t>12</a:t>
+              <a:t>10</a:t>
             </a:fld>
             <a:endParaRPr lang="pt-BR"/>
           </a:p>
@@ -11183,7 +11681,7 @@
     </p:spTree>
     <p:extLst>
       <p:ext uri="{BB962C8B-B14F-4D97-AF65-F5344CB8AC3E}">
-        <p14:creationId xmlns:p14="http://schemas.microsoft.com/office/powerpoint/2010/main" val="1457690364"/>
+        <p14:creationId xmlns:p14="http://schemas.microsoft.com/office/powerpoint/2010/main" val="3636461834"/>
       </p:ext>
     </p:extLst>
   </p:cSld>
@@ -11246,11 +11744,7 @@
           <a:p>
             <a:r>
               <a:rPr lang="pt-BR" dirty="0"/>
-              <a:t>O guia de criação</a:t>
-            </a:r>
-            <a:r>
-              <a:rPr lang="pt-BR" baseline="0" dirty="0"/>
-              <a:t> de projetos para Desktop será mostrada.</a:t>
+              <a:t>Esse assistente cria um projeto que utiliza a biblioteca Win32</a:t>
             </a:r>
           </a:p>
         </p:txBody>
@@ -11273,7 +11767,7 @@
             <a:fld id="{6AF2F81C-3F53-42F9-BE4C-7ED0FD39D783}" type="slidenum">
               <a:rPr lang="pt-BR" smtClean="0"/>
               <a:pPr/>
-              <a:t>13</a:t>
+              <a:t>12</a:t>
             </a:fld>
             <a:endParaRPr lang="pt-BR"/>
           </a:p>
@@ -11282,7 +11776,7 @@
     </p:spTree>
     <p:extLst>
       <p:ext uri="{BB962C8B-B14F-4D97-AF65-F5344CB8AC3E}">
-        <p14:creationId xmlns:p14="http://schemas.microsoft.com/office/powerpoint/2010/main" val="3110747411"/>
+        <p14:creationId xmlns:p14="http://schemas.microsoft.com/office/powerpoint/2010/main" val="1457690364"/>
       </p:ext>
     </p:extLst>
   </p:cSld>
@@ -11345,25 +11839,12 @@
           <a:p>
             <a:r>
               <a:rPr lang="pt-BR" dirty="0"/>
-              <a:t>Os programas serão escritos dentro de arquivos com a extensão .</a:t>
-            </a:r>
-            <a:r>
-              <a:rPr lang="pt-BR" dirty="0" err="1"/>
-              <a:t>cpp</a:t>
-            </a:r>
-            <a:r>
-              <a:rPr lang="pt-BR" dirty="0"/>
-              <a:t> e devem ser adicionados em Arquivos de Origem (</a:t>
-            </a:r>
-            <a:r>
-              <a:rPr lang="pt-BR" dirty="0" err="1"/>
-              <a:t>Source</a:t>
+              <a:t>O guia de criação</a:t>
             </a:r>
             <a:r>
               <a:rPr lang="pt-BR" baseline="0" dirty="0"/>
-              <a:t> Files).</a:t>
-            </a:r>
-            <a:endParaRPr lang="pt-BR" dirty="0"/>
+              <a:t> de projetos para Desktop será mostrada.</a:t>
+            </a:r>
           </a:p>
         </p:txBody>
       </p:sp>
@@ -11385,7 +11866,7 @@
             <a:fld id="{6AF2F81C-3F53-42F9-BE4C-7ED0FD39D783}" type="slidenum">
               <a:rPr lang="pt-BR" smtClean="0"/>
               <a:pPr/>
-              <a:t>14</a:t>
+              <a:t>13</a:t>
             </a:fld>
             <a:endParaRPr lang="pt-BR"/>
           </a:p>
@@ -11394,7 +11875,7 @@
     </p:spTree>
     <p:extLst>
       <p:ext uri="{BB962C8B-B14F-4D97-AF65-F5344CB8AC3E}">
-        <p14:creationId xmlns:p14="http://schemas.microsoft.com/office/powerpoint/2010/main" val="2411561625"/>
+        <p14:creationId xmlns:p14="http://schemas.microsoft.com/office/powerpoint/2010/main" val="3110747411"/>
       </p:ext>
     </p:extLst>
   </p:cSld>
@@ -11457,19 +11938,23 @@
           <a:p>
             <a:r>
               <a:rPr lang="pt-BR" dirty="0"/>
-              <a:t>Diferentes</a:t>
+              <a:t>Os programas serão escritos dentro de arquivos com a extensão .</a:t>
+            </a:r>
+            <a:r>
+              <a:rPr lang="pt-BR" dirty="0" err="1"/>
+              <a:t>cpp</a:t>
+            </a:r>
+            <a:r>
+              <a:rPr lang="pt-BR" dirty="0"/>
+              <a:t> e devem ser adicionados em Arquivos de Origem (</a:t>
+            </a:r>
+            <a:r>
+              <a:rPr lang="pt-BR" dirty="0" err="1"/>
+              <a:t>Source</a:t>
             </a:r>
             <a:r>
               <a:rPr lang="pt-BR" baseline="0" dirty="0"/>
-              <a:t> tipos de arquivos podem ser inseridos em um projeto. Para inserir o código fonte de um programa escolha Código &gt; Arquivo C++ (.</a:t>
-            </a:r>
-            <a:r>
-              <a:rPr lang="pt-BR" baseline="0" dirty="0" err="1"/>
-              <a:t>cpp</a:t>
-            </a:r>
-            <a:r>
-              <a:rPr lang="pt-BR" baseline="0" dirty="0"/>
-              <a:t>).</a:t>
+              <a:t> Files).</a:t>
             </a:r>
             <a:endParaRPr lang="pt-BR" dirty="0"/>
           </a:p>
@@ -11493,7 +11978,7 @@
             <a:fld id="{6AF2F81C-3F53-42F9-BE4C-7ED0FD39D783}" type="slidenum">
               <a:rPr lang="pt-BR" smtClean="0"/>
               <a:pPr/>
-              <a:t>15</a:t>
+              <a:t>14</a:t>
             </a:fld>
             <a:endParaRPr lang="pt-BR"/>
           </a:p>
@@ -11502,7 +11987,7 @@
     </p:spTree>
     <p:extLst>
       <p:ext uri="{BB962C8B-B14F-4D97-AF65-F5344CB8AC3E}">
-        <p14:creationId xmlns:p14="http://schemas.microsoft.com/office/powerpoint/2010/main" val="828735190"/>
+        <p14:creationId xmlns:p14="http://schemas.microsoft.com/office/powerpoint/2010/main" val="2411561625"/>
       </p:ext>
     </p:extLst>
   </p:cSld>
@@ -11531,7 +12016,7 @@
       </p:grpSpPr>
       <p:sp>
         <p:nvSpPr>
-          <p:cNvPr id="2" name="Espaço Reservado para Imagem de Slide 1"/>
+          <p:cNvPr id="2" name="Slide Image Placeholder 1"/>
           <p:cNvSpPr>
             <a:spLocks noGrp="1" noRot="1" noChangeAspect="1"/>
           </p:cNvSpPr>
@@ -11539,11 +12024,16 @@
             <p:ph type="sldImg"/>
           </p:nvPr>
         </p:nvSpPr>
-        <p:spPr/>
+        <p:spPr>
+          <a:xfrm>
+            <a:off x="381000" y="685800"/>
+            <a:ext cx="6096000" cy="3429000"/>
+          </a:xfrm>
+        </p:spPr>
       </p:sp>
       <p:sp>
         <p:nvSpPr>
-          <p:cNvPr id="3" name="Espaço Reservado para Anotações 2"/>
+          <p:cNvPr id="3" name="Notes Placeholder 2"/>
           <p:cNvSpPr>
             <a:spLocks noGrp="1"/>
           </p:cNvSpPr>
@@ -11553,24 +12043,39 @@
         </p:nvSpPr>
         <p:spPr/>
         <p:txBody>
-          <a:bodyPr/>
+          <a:bodyPr>
+            <a:normAutofit/>
+          </a:bodyPr>
           <a:lstStyle/>
           <a:p>
             <a:r>
               <a:rPr lang="pt-BR" dirty="0"/>
-              <a:t>As principais ferramentas e aplicativos já estão usando plataformas de 64-bits. PIX só funciona com aplicativos de 64-bits.</a:t>
-            </a:r>
+              <a:t>Diferentes</a:t>
+            </a:r>
+            <a:r>
+              <a:rPr lang="pt-BR" baseline="0" dirty="0"/>
+              <a:t> tipos de arquivos podem ser inseridos em um projeto. Para inserir o código fonte de um programa escolha Código &gt; Arquivo C++ (.</a:t>
+            </a:r>
+            <a:r>
+              <a:rPr lang="pt-BR" baseline="0" dirty="0" err="1"/>
+              <a:t>cpp</a:t>
+            </a:r>
+            <a:r>
+              <a:rPr lang="pt-BR" baseline="0" dirty="0"/>
+              <a:t>).</a:t>
+            </a:r>
+            <a:endParaRPr lang="pt-BR" dirty="0"/>
           </a:p>
         </p:txBody>
       </p:sp>
       <p:sp>
         <p:nvSpPr>
-          <p:cNvPr id="4" name="Espaço Reservado para Número de Slide 3"/>
+          <p:cNvPr id="4" name="Slide Number Placeholder 3"/>
           <p:cNvSpPr>
             <a:spLocks noGrp="1"/>
           </p:cNvSpPr>
           <p:nvPr>
-            <p:ph type="sldNum" sz="quarter" idx="5"/>
+            <p:ph type="sldNum" sz="quarter" idx="10"/>
           </p:nvPr>
         </p:nvSpPr>
         <p:spPr/>
@@ -11578,9 +12083,10 @@
           <a:bodyPr/>
           <a:lstStyle/>
           <a:p>
-            <a:fld id="{6E9A670B-A0C8-46B4-A2C3-0F9D7276AEB5}" type="slidenum">
+            <a:fld id="{6AF2F81C-3F53-42F9-BE4C-7ED0FD39D783}" type="slidenum">
               <a:rPr lang="pt-BR" smtClean="0"/>
-              <a:t>17</a:t>
+              <a:pPr/>
+              <a:t>15</a:t>
             </a:fld>
             <a:endParaRPr lang="pt-BR"/>
           </a:p>
@@ -11589,7 +12095,7 @@
     </p:spTree>
     <p:extLst>
       <p:ext uri="{BB962C8B-B14F-4D97-AF65-F5344CB8AC3E}">
-        <p14:creationId xmlns:p14="http://schemas.microsoft.com/office/powerpoint/2010/main" val="4257208840"/>
+        <p14:creationId xmlns:p14="http://schemas.microsoft.com/office/powerpoint/2010/main" val="828735190"/>
       </p:ext>
     </p:extLst>
   </p:cSld>
@@ -11616,109 +12122,6 @@
           <a:chExt cx="0" cy="0"/>
         </a:xfrm>
       </p:grpSpPr>
-      <p:pic>
-        <p:nvPicPr>
-          <p:cNvPr id="8" name="Picture 7" descr="C3-HD-BTM.png">
-            <a:extLst>
-              <a:ext uri="{FF2B5EF4-FFF2-40B4-BE49-F238E27FC236}">
-                <a16:creationId xmlns:a16="http://schemas.microsoft.com/office/drawing/2014/main" id="{BEF47DFF-3CB1-4321-94ED-FC3D04CCEE5C}"/>
-              </a:ext>
-            </a:extLst>
-          </p:cNvPr>
-          <p:cNvPicPr>
-            <a:picLocks noChangeAspect="1"/>
-          </p:cNvPicPr>
-          <p:nvPr userDrawn="1"/>
-        </p:nvPicPr>
-        <p:blipFill>
-          <a:blip r:embed="rId2">
-            <a:extLst>
-              <a:ext uri="{28A0092B-C50C-407E-A947-70E740481C1C}">
-                <a14:useLocalDpi xmlns:a14="http://schemas.microsoft.com/office/drawing/2010/main" val="0"/>
-              </a:ext>
-            </a:extLst>
-          </a:blip>
-          <a:stretch>
-            <a:fillRect/>
-          </a:stretch>
-        </p:blipFill>
-        <p:spPr>
-          <a:xfrm flipH="1">
-            <a:off x="0" y="4375150"/>
-            <a:ext cx="12192000" cy="2482850"/>
-          </a:xfrm>
-          <a:prstGeom prst="rect">
-            <a:avLst/>
-          </a:prstGeom>
-        </p:spPr>
-      </p:pic>
-      <p:sp>
-        <p:nvSpPr>
-          <p:cNvPr id="6" name="CaixaDeTexto 5">
-            <a:extLst>
-              <a:ext uri="{FF2B5EF4-FFF2-40B4-BE49-F238E27FC236}">
-                <a16:creationId xmlns:a16="http://schemas.microsoft.com/office/drawing/2014/main" id="{E68F966E-04FB-4A22-B1F4-2148B604D7EA}"/>
-              </a:ext>
-            </a:extLst>
-          </p:cNvPr>
-          <p:cNvSpPr txBox="1"/>
-          <p:nvPr userDrawn="1"/>
-        </p:nvSpPr>
-        <p:spPr>
-          <a:xfrm rot="21049634">
-            <a:off x="2638907" y="5550249"/>
-            <a:ext cx="2315413" cy="276999"/>
-          </a:xfrm>
-          <a:prstGeom prst="rect">
-            <a:avLst/>
-          </a:prstGeom>
-          <a:noFill/>
-          <a:ln>
-            <a:noFill/>
-          </a:ln>
-        </p:spPr>
-        <p:txBody>
-          <a:bodyPr wrap="square" rtlCol="0">
-            <a:prstTxWarp prst="textArchUp">
-              <a:avLst/>
-            </a:prstTxWarp>
-            <a:spAutoFit/>
-          </a:bodyPr>
-          <a:lstStyle/>
-          <a:p>
-            <a:r>
-              <a:rPr lang="pt-BR" sz="1200" dirty="0">
-                <a:ln w="0"/>
-                <a:solidFill>
-                  <a:schemeClr val="accent1"/>
-                </a:solidFill>
-                <a:effectLst>
-                  <a:outerShdw blurRad="38100" dist="25400" dir="5400000" algn="ctr" rotWithShape="0">
-                    <a:srgbClr val="6E747A">
-                      <a:alpha val="43000"/>
-                    </a:srgbClr>
-                  </a:outerShdw>
-                </a:effectLst>
-              </a:rPr>
-              <a:t> Judson Santos Santiago</a:t>
-            </a:r>
-            <a:endParaRPr lang="pt-BR" sz="1100" i="0" baseline="0" dirty="0">
-              <a:ln w="0"/>
-              <a:solidFill>
-                <a:schemeClr val="accent1"/>
-              </a:solidFill>
-              <a:effectLst>
-                <a:outerShdw blurRad="38100" dist="25400" dir="5400000" algn="ctr" rotWithShape="0">
-                  <a:srgbClr val="6E747A">
-                    <a:alpha val="43000"/>
-                  </a:srgbClr>
-                </a:outerShdw>
-              </a:effectLst>
-              <a:latin typeface="+mj-lt"/>
-            </a:endParaRPr>
-          </a:p>
-        </p:txBody>
-      </p:sp>
       <p:sp>
         <p:nvSpPr>
           <p:cNvPr id="9" name="Title 1">
@@ -11774,7 +12177,7 @@
         <p:spPr>
           <a:xfrm>
             <a:off x="1185168" y="1835375"/>
-            <a:ext cx="3934090" cy="523220"/>
+            <a:ext cx="5003293" cy="646331"/>
           </a:xfrm>
           <a:prstGeom prst="rect">
             <a:avLst/>
@@ -11790,17 +12193,119 @@
           <a:lstStyle/>
           <a:p>
             <a:r>
-              <a:rPr lang="pt-BR" sz="2800" b="1" i="0" dirty="0">
+              <a:rPr lang="pt-BR" sz="3600" b="1" i="0" dirty="0">
                 <a:solidFill>
                   <a:schemeClr val="tx2"/>
                 </a:solidFill>
               </a:rPr>
               <a:t>Computação Gráfica</a:t>
             </a:r>
-            <a:endParaRPr lang="en-US" sz="2800" b="1" i="0" dirty="0">
+            <a:endParaRPr lang="en-US" sz="3600" b="1" i="0" dirty="0">
               <a:solidFill>
                 <a:schemeClr val="tx2"/>
               </a:solidFill>
+            </a:endParaRPr>
+          </a:p>
+        </p:txBody>
+      </p:sp>
+      <p:pic>
+        <p:nvPicPr>
+          <p:cNvPr id="7" name="Picture 7" descr="C3-HD-BTM.png">
+            <a:extLst>
+              <a:ext uri="{FF2B5EF4-FFF2-40B4-BE49-F238E27FC236}">
+                <a16:creationId xmlns:a16="http://schemas.microsoft.com/office/drawing/2014/main" id="{5096A146-F275-4A4D-9C19-7489507EE0F7}"/>
+              </a:ext>
+            </a:extLst>
+          </p:cNvPr>
+          <p:cNvPicPr>
+            <a:picLocks noChangeAspect="1"/>
+          </p:cNvPicPr>
+          <p:nvPr userDrawn="1"/>
+        </p:nvPicPr>
+        <p:blipFill rotWithShape="1">
+          <a:blip r:embed="rId2">
+            <a:extLst>
+              <a:ext uri="{28A0092B-C50C-407E-A947-70E740481C1C}">
+                <a14:useLocalDpi xmlns:a14="http://schemas.microsoft.com/office/drawing/2010/main" val="0"/>
+              </a:ext>
+            </a:extLst>
+          </a:blip>
+          <a:srcRect b="30690"/>
+          <a:stretch/>
+        </p:blipFill>
+        <p:spPr>
+          <a:xfrm flipH="1">
+            <a:off x="0" y="5137145"/>
+            <a:ext cx="12192000" cy="1720855"/>
+          </a:xfrm>
+          <a:prstGeom prst="rect">
+            <a:avLst/>
+          </a:prstGeom>
+        </p:spPr>
+      </p:pic>
+      <p:sp>
+        <p:nvSpPr>
+          <p:cNvPr id="11" name="CaixaDeTexto 10">
+            <a:extLst>
+              <a:ext uri="{FF2B5EF4-FFF2-40B4-BE49-F238E27FC236}">
+                <a16:creationId xmlns:a16="http://schemas.microsoft.com/office/drawing/2014/main" id="{96F3D870-2D15-4DB3-A8EE-784E55FFFF1C}"/>
+              </a:ext>
+            </a:extLst>
+          </p:cNvPr>
+          <p:cNvSpPr txBox="1"/>
+          <p:nvPr userDrawn="1"/>
+        </p:nvSpPr>
+        <p:spPr>
+          <a:xfrm rot="20929160">
+            <a:off x="2275494" y="6359145"/>
+            <a:ext cx="2315413" cy="276999"/>
+          </a:xfrm>
+          <a:prstGeom prst="rect">
+            <a:avLst/>
+          </a:prstGeom>
+          <a:noFill/>
+          <a:ln>
+            <a:noFill/>
+          </a:ln>
+        </p:spPr>
+        <p:txBody>
+          <a:bodyPr wrap="square" rtlCol="0">
+            <a:prstTxWarp prst="textArchUp">
+              <a:avLst/>
+            </a:prstTxWarp>
+            <a:spAutoFit/>
+          </a:bodyPr>
+          <a:lstStyle/>
+          <a:p>
+            <a:r>
+              <a:rPr lang="pt-BR" sz="1400" b="1" dirty="0">
+                <a:ln w="0"/>
+                <a:solidFill>
+                  <a:schemeClr val="accent1"/>
+                </a:solidFill>
+                <a:effectLst>
+                  <a:outerShdw blurRad="38100" dist="25400" dir="5400000" algn="ctr" rotWithShape="0">
+                    <a:srgbClr val="6E747A">
+                      <a:alpha val="43000"/>
+                    </a:srgbClr>
+                  </a:outerShdw>
+                </a:effectLst>
+              </a:rPr>
+              <a:t> Judson Santos Santiago</a:t>
+            </a:r>
+            <a:endParaRPr lang="pt-BR" sz="1200" b="1" i="0" baseline="0" dirty="0">
+              <a:ln w="0"/>
+              <a:solidFill>
+                <a:schemeClr val="accent1"/>
+              </a:solidFill>
+              <a:effectLst>
+                <a:outerShdw blurRad="38100" dist="25400" dir="5400000" algn="ctr" rotWithShape="0">
+                  <a:srgbClr val="6E747A">
+                    <a:alpha val="43000"/>
+                  </a:srgbClr>
+                </a:outerShdw>
+              </a:effectLst>
+              <a:latin typeface="+mj-lt"/>
             </a:endParaRPr>
           </a:p>
         </p:txBody>
@@ -12014,7 +12519,7 @@
           <a:p>
             <a:fld id="{48A87A34-81AB-432B-8DAE-1953F412C126}" type="datetimeFigureOut">
               <a:rPr lang="en-US" smtClean="0"/>
-              <a:t>3/16/2020</a:t>
+              <a:t>7/24/2021</a:t>
             </a:fld>
             <a:endParaRPr lang="en-US" dirty="0"/>
           </a:p>
@@ -12252,7 +12757,7 @@
             <a:fld id="{48A87A34-81AB-432B-8DAE-1953F412C126}" type="datetimeFigureOut">
               <a:rPr lang="en-US" smtClean="0"/>
               <a:pPr/>
-              <a:t>3/16/2020</a:t>
+              <a:t>7/24/2021</a:t>
             </a:fld>
             <a:endParaRPr lang="en-US" dirty="0"/>
           </a:p>
@@ -12569,7 +13074,7 @@
             <a:fld id="{48A87A34-81AB-432B-8DAE-1953F412C126}" type="datetimeFigureOut">
               <a:rPr lang="en-US" smtClean="0"/>
               <a:pPr/>
-              <a:t>3/16/2020</a:t>
+              <a:t>7/24/2021</a:t>
             </a:fld>
             <a:endParaRPr lang="en-US" dirty="0"/>
           </a:p>
@@ -13049,7 +13554,7 @@
             <a:fld id="{48A87A34-81AB-432B-8DAE-1953F412C126}" type="datetimeFigureOut">
               <a:rPr lang="en-US" smtClean="0"/>
               <a:pPr/>
-              <a:t>3/16/2020</a:t>
+              <a:t>7/24/2021</a:t>
             </a:fld>
             <a:endParaRPr lang="en-US" dirty="0"/>
           </a:p>
@@ -13601,7 +14106,7 @@
           <a:p>
             <a:fld id="{48A87A34-81AB-432B-8DAE-1953F412C126}" type="datetimeFigureOut">
               <a:rPr lang="en-US" smtClean="0"/>
-              <a:t>3/16/2020</a:t>
+              <a:t>7/24/2021</a:t>
             </a:fld>
             <a:endParaRPr lang="en-US" dirty="0"/>
           </a:p>
@@ -14390,7 +14895,7 @@
           <a:p>
             <a:fld id="{48A87A34-81AB-432B-8DAE-1953F412C126}" type="datetimeFigureOut">
               <a:rPr lang="en-US" smtClean="0"/>
-              <a:t>3/16/2020</a:t>
+              <a:t>7/24/2021</a:t>
             </a:fld>
             <a:endParaRPr lang="en-US" dirty="0"/>
           </a:p>
@@ -14585,7 +15090,7 @@
           <a:p>
             <a:fld id="{48A87A34-81AB-432B-8DAE-1953F412C126}" type="datetimeFigureOut">
               <a:rPr lang="en-US" smtClean="0"/>
-              <a:t>3/16/2020</a:t>
+              <a:t>7/24/2021</a:t>
             </a:fld>
             <a:endParaRPr lang="en-US" dirty="0"/>
           </a:p>
@@ -14825,7 +15330,7 @@
             <a:fld id="{48A87A34-81AB-432B-8DAE-1953F412C126}" type="datetimeFigureOut">
               <a:rPr lang="en-US" smtClean="0"/>
               <a:pPr/>
-              <a:t>3/16/2020</a:t>
+              <a:t>7/24/2021</a:t>
             </a:fld>
             <a:endParaRPr lang="en-US" dirty="0"/>
           </a:p>
@@ -15039,7 +15544,7 @@
           <a:p>
             <a:fld id="{48A87A34-81AB-432B-8DAE-1953F412C126}" type="datetimeFigureOut">
               <a:rPr lang="en-US" smtClean="0"/>
-              <a:t>3/16/2020</a:t>
+              <a:t>7/24/2021</a:t>
             </a:fld>
             <a:endParaRPr lang="en-US" dirty="0"/>
           </a:p>
@@ -15335,7 +15840,7 @@
             <a:fld id="{48A87A34-81AB-432B-8DAE-1953F412C126}" type="datetimeFigureOut">
               <a:rPr lang="en-US" smtClean="0"/>
               <a:pPr/>
-              <a:t>3/16/2020</a:t>
+              <a:t>7/24/2021</a:t>
             </a:fld>
             <a:endParaRPr lang="en-US" dirty="0"/>
           </a:p>
@@ -15591,7 +16096,7 @@
           <a:p>
             <a:fld id="{48A87A34-81AB-432B-8DAE-1953F412C126}" type="datetimeFigureOut">
               <a:rPr lang="en-US" smtClean="0"/>
-              <a:t>3/16/2020</a:t>
+              <a:t>7/24/2021</a:t>
             </a:fld>
             <a:endParaRPr lang="en-US" dirty="0"/>
           </a:p>
@@ -15989,7 +16494,7 @@
           <a:p>
             <a:fld id="{48A87A34-81AB-432B-8DAE-1953F412C126}" type="datetimeFigureOut">
               <a:rPr lang="en-US" smtClean="0"/>
-              <a:t>3/16/2020</a:t>
+              <a:t>7/24/2021</a:t>
             </a:fld>
             <a:endParaRPr lang="en-US" dirty="0"/>
           </a:p>
@@ -16127,7 +16632,7 @@
           <a:p>
             <a:fld id="{48A87A34-81AB-432B-8DAE-1953F412C126}" type="datetimeFigureOut">
               <a:rPr lang="en-US" smtClean="0"/>
-              <a:t>3/16/2020</a:t>
+              <a:t>7/24/2021</a:t>
             </a:fld>
             <a:endParaRPr lang="en-US" dirty="0"/>
           </a:p>
@@ -16232,7 +16737,7 @@
           <a:p>
             <a:fld id="{48A87A34-81AB-432B-8DAE-1953F412C126}" type="datetimeFigureOut">
               <a:rPr lang="en-US" smtClean="0"/>
-              <a:t>3/16/2020</a:t>
+              <a:t>7/24/2021</a:t>
             </a:fld>
             <a:endParaRPr lang="en-US" dirty="0"/>
           </a:p>
@@ -16481,7 +16986,7 @@
           <a:p>
             <a:fld id="{48A87A34-81AB-432B-8DAE-1953F412C126}" type="datetimeFigureOut">
               <a:rPr lang="en-US" smtClean="0"/>
-              <a:t>3/16/2020</a:t>
+              <a:t>7/24/2021</a:t>
             </a:fld>
             <a:endParaRPr lang="en-US" dirty="0"/>
           </a:p>
@@ -16738,7 +17243,7 @@
           <a:p>
             <a:fld id="{48A87A34-81AB-432B-8DAE-1953F412C126}" type="datetimeFigureOut">
               <a:rPr lang="en-US" smtClean="0"/>
-              <a:t>3/16/2020</a:t>
+              <a:t>7/24/2021</a:t>
             </a:fld>
             <a:endParaRPr lang="en-US" dirty="0"/>
           </a:p>
@@ -16823,10 +17328,10 @@
       </p:grpSpPr>
       <p:pic>
         <p:nvPicPr>
-          <p:cNvPr id="9" name="Picture 7" descr="C3-HD-TOP.png">
+          <p:cNvPr id="12" name="Picture 7" descr="C3-HD-TOP.png">
             <a:extLst>
               <a:ext uri="{FF2B5EF4-FFF2-40B4-BE49-F238E27FC236}">
-                <a16:creationId xmlns:a16="http://schemas.microsoft.com/office/drawing/2014/main" id="{D490CE8B-CDEE-4FD0-BB4F-02DA29DE4D5C}"/>
+                <a16:creationId xmlns:a16="http://schemas.microsoft.com/office/drawing/2014/main" id="{600B23BF-52BF-44DE-8D18-0CA34C283AFD}"/>
               </a:ext>
             </a:extLst>
           </p:cNvPr>
@@ -16849,7 +17354,7 @@
         </p:blipFill>
         <p:spPr>
           <a:xfrm flipH="1">
-            <a:off x="0" y="-35511"/>
+            <a:off x="0" y="0"/>
             <a:ext cx="12192000" cy="1441450"/>
           </a:xfrm>
           <a:prstGeom prst="rect">
@@ -16988,7 +17493,7 @@
             <a:fld id="{48A87A34-81AB-432B-8DAE-1953F412C126}" type="datetimeFigureOut">
               <a:rPr lang="en-US" smtClean="0"/>
               <a:pPr/>
-              <a:t>3/16/2020</a:t>
+              <a:t>7/24/2021</a:t>
             </a:fld>
             <a:endParaRPr lang="en-US" dirty="0"/>
           </a:p>
@@ -17416,14 +17921,28 @@
             <p:ph type="ctrTitle"/>
           </p:nvPr>
         </p:nvSpPr>
-        <p:spPr/>
+        <p:spPr>
+          <a:xfrm>
+            <a:off x="1193635" y="2588764"/>
+            <a:ext cx="9972152" cy="2752677"/>
+          </a:xfrm>
+        </p:spPr>
         <p:txBody>
-          <a:bodyPr/>
+          <a:bodyPr>
+            <a:normAutofit/>
+          </a:bodyPr>
           <a:lstStyle/>
           <a:p>
             <a:r>
-              <a:rPr lang="pt-BR" dirty="0"/>
-              <a:t>Programação de janelas</a:t>
+              <a:rPr lang="pt-BR" sz="7200" dirty="0"/>
+              <a:t>Programação </a:t>
+            </a:r>
+            <a:br>
+              <a:rPr lang="pt-BR" sz="7200" dirty="0"/>
+            </a:br>
+            <a:r>
+              <a:rPr lang="pt-BR" sz="7200" dirty="0"/>
+              <a:t>de janelas</a:t>
             </a:r>
           </a:p>
         </p:txBody>
@@ -22799,36 +23318,6 @@
           </a:p>
         </p:txBody>
       </p:sp>
-      <p:pic>
-        <p:nvPicPr>
-          <p:cNvPr id="11" name="Imagem 10">
-            <a:extLst>
-              <a:ext uri="{FF2B5EF4-FFF2-40B4-BE49-F238E27FC236}">
-                <a16:creationId xmlns:a16="http://schemas.microsoft.com/office/drawing/2014/main" id="{9085AECF-1C44-4714-BC21-D9E946CF6DBF}"/>
-              </a:ext>
-            </a:extLst>
-          </p:cNvPr>
-          <p:cNvPicPr>
-            <a:picLocks noChangeAspect="1"/>
-          </p:cNvPicPr>
-          <p:nvPr/>
-        </p:nvPicPr>
-        <p:blipFill>
-          <a:blip r:embed="rId3"/>
-          <a:stretch>
-            <a:fillRect/>
-          </a:stretch>
-        </p:blipFill>
-        <p:spPr>
-          <a:xfrm>
-            <a:off x="8472264" y="3730662"/>
-            <a:ext cx="1738044" cy="2046052"/>
-          </a:xfrm>
-          <a:prstGeom prst="rect">
-            <a:avLst/>
-          </a:prstGeom>
-        </p:spPr>
-      </p:pic>
       <p:sp>
         <p:nvSpPr>
           <p:cNvPr id="5" name="Retângulo 4">
@@ -22951,6 +23440,36 @@
           </a:p>
         </p:txBody>
       </p:sp>
+      <p:pic>
+        <p:nvPicPr>
+          <p:cNvPr id="6" name="Imagem 5">
+            <a:extLst>
+              <a:ext uri="{FF2B5EF4-FFF2-40B4-BE49-F238E27FC236}">
+                <a16:creationId xmlns:a16="http://schemas.microsoft.com/office/drawing/2014/main" id="{5ABFEDE4-A1A3-4653-8D0A-7F6E115E7A39}"/>
+              </a:ext>
+            </a:extLst>
+          </p:cNvPr>
+          <p:cNvPicPr>
+            <a:picLocks noChangeAspect="1"/>
+          </p:cNvPicPr>
+          <p:nvPr/>
+        </p:nvPicPr>
+        <p:blipFill>
+          <a:blip r:embed="rId3"/>
+          <a:stretch>
+            <a:fillRect/>
+          </a:stretch>
+        </p:blipFill>
+        <p:spPr>
+          <a:xfrm>
+            <a:off x="8472264" y="3730662"/>
+            <a:ext cx="1714500" cy="2133600"/>
+          </a:xfrm>
+          <a:prstGeom prst="rect">
+            <a:avLst/>
+          </a:prstGeom>
+        </p:spPr>
+      </p:pic>
     </p:spTree>
     <p:extLst>
       <p:ext uri="{BB962C8B-B14F-4D97-AF65-F5344CB8AC3E}">
@@ -23215,7 +23734,31 @@
           <a:p>
             <a:r>
               <a:rPr lang="pt-BR" dirty="0"/>
-              <a:t>Arquitetura guiada por eventos:</a:t>
+              <a:t>Arquitetura </a:t>
+            </a:r>
+            <a:r>
+              <a:rPr lang="pt-BR" dirty="0">
+                <a:solidFill>
+                  <a:schemeClr val="accent3"/>
+                </a:solidFill>
+              </a:rPr>
+              <a:t>guiada</a:t>
+            </a:r>
+            <a:r>
+              <a:rPr lang="pt-BR" dirty="0"/>
+              <a:t> </a:t>
+            </a:r>
+            <a:r>
+              <a:rPr lang="pt-BR" dirty="0">
+                <a:solidFill>
+                  <a:schemeClr val="accent1"/>
+                </a:solidFill>
+              </a:rPr>
+              <a:t>por eventos</a:t>
+            </a:r>
+            <a:r>
+              <a:rPr lang="pt-BR" dirty="0"/>
+              <a:t>:</a:t>
             </a:r>
           </a:p>
         </p:txBody>
@@ -33591,7 +34134,7 @@
           </a:p>
           <a:p>
             <a:r>
-              <a:rPr lang="pt-BR" sz="1600" dirty="0">
+              <a:rPr lang="pt-BR" sz="1600" dirty="0" err="1">
                 <a:solidFill>
                   <a:schemeClr val="accent1"/>
                 </a:solidFill>
@@ -33617,7 +34160,7 @@
                 <a:latin typeface="Consolas" pitchFamily="49" charset="0"/>
                 <a:cs typeface="Consolas" pitchFamily="49" charset="0"/>
               </a:rPr>
-              <a:t>windowPosX</a:t>
+              <a:t>posX</a:t>
             </a:r>
             <a:r>
               <a:rPr lang="pt-BR" sz="1600" dirty="0">
@@ -33712,7 +34255,7 @@
           </a:p>
           <a:p>
             <a:r>
-              <a:rPr lang="pt-BR" sz="1600" dirty="0">
+              <a:rPr lang="pt-BR" sz="1600" dirty="0" err="1">
                 <a:solidFill>
                   <a:schemeClr val="accent1"/>
                 </a:solidFill>
@@ -33738,7 +34281,7 @@
                 <a:latin typeface="Consolas" pitchFamily="49" charset="0"/>
                 <a:cs typeface="Consolas" pitchFamily="49" charset="0"/>
               </a:rPr>
-              <a:t>windowPosY</a:t>
+              <a:t>posY</a:t>
             </a:r>
             <a:r>
               <a:rPr lang="pt-BR" sz="1600" dirty="0">
@@ -33899,7 +34442,7 @@
                 <a:latin typeface="Consolas" pitchFamily="49" charset="0"/>
                 <a:cs typeface="Consolas" pitchFamily="49" charset="0"/>
               </a:rPr>
-              <a:t>// identificador da janela</a:t>
+              <a:t>// janela</a:t>
             </a:r>
           </a:p>
           <a:p>
@@ -33920,14 +34463,14 @@
                 <a:latin typeface="Consolas" pitchFamily="49" charset="0"/>
                 <a:cs typeface="Consolas" pitchFamily="49" charset="0"/>
               </a:rPr>
-              <a:t>windowPosX</a:t>
+              <a:t>posX</a:t>
             </a:r>
             <a:r>
               <a:rPr lang="pt-BR" sz="1600" dirty="0">
                 <a:latin typeface="Consolas" pitchFamily="49" charset="0"/>
                 <a:cs typeface="Consolas" pitchFamily="49" charset="0"/>
               </a:rPr>
-              <a:t>,                    	</a:t>
+              <a:t>,                    	    </a:t>
             </a:r>
             <a:r>
               <a:rPr lang="pt-BR" sz="1600" dirty="0">
@@ -33961,14 +34504,14 @@
                 <a:latin typeface="Consolas" pitchFamily="49" charset="0"/>
                 <a:cs typeface="Consolas" pitchFamily="49" charset="0"/>
               </a:rPr>
-              <a:t>windowPosY</a:t>
+              <a:t>posY</a:t>
             </a:r>
             <a:r>
               <a:rPr lang="pt-BR" sz="1600" dirty="0">
                 <a:latin typeface="Consolas" pitchFamily="49" charset="0"/>
                 <a:cs typeface="Consolas" pitchFamily="49" charset="0"/>
               </a:rPr>
-              <a:t>,                    	</a:t>
+              <a:t>,                    	    </a:t>
             </a:r>
             <a:r>
               <a:rPr lang="pt-BR" sz="1600" dirty="0">
@@ -34173,6 +34716,473 @@
           </a:p>
         </p:txBody>
       </p:sp>
+      <p:grpSp>
+        <p:nvGrpSpPr>
+          <p:cNvPr id="31" name="Agrupar 30">
+            <a:extLst>
+              <a:ext uri="{FF2B5EF4-FFF2-40B4-BE49-F238E27FC236}">
+                <a16:creationId xmlns:a16="http://schemas.microsoft.com/office/drawing/2014/main" id="{1DCE2E43-FCC6-408E-BA96-DBF1304B7656}"/>
+              </a:ext>
+            </a:extLst>
+          </p:cNvPr>
+          <p:cNvGrpSpPr/>
+          <p:nvPr/>
+        </p:nvGrpSpPr>
+        <p:grpSpPr>
+          <a:xfrm>
+            <a:off x="7153347" y="3766480"/>
+            <a:ext cx="3822700" cy="2247900"/>
+            <a:chOff x="7153347" y="3766480"/>
+            <a:chExt cx="3822700" cy="2247900"/>
+          </a:xfrm>
+        </p:grpSpPr>
+        <p:sp>
+          <p:nvSpPr>
+            <p:cNvPr id="5" name="Retângulo 4">
+              <a:extLst>
+                <a:ext uri="{FF2B5EF4-FFF2-40B4-BE49-F238E27FC236}">
+                  <a16:creationId xmlns:a16="http://schemas.microsoft.com/office/drawing/2014/main" id="{99182C68-E0E9-4BEE-AAE8-15382AD83AE0}"/>
+                </a:ext>
+              </a:extLst>
+            </p:cNvPr>
+            <p:cNvSpPr/>
+            <p:nvPr/>
+          </p:nvSpPr>
+          <p:spPr>
+            <a:xfrm>
+              <a:off x="7306734" y="3903133"/>
+              <a:ext cx="3530600" cy="1974594"/>
+            </a:xfrm>
+            <a:prstGeom prst="rect">
+              <a:avLst/>
+            </a:prstGeom>
+            <a:noFill/>
+            <a:ln>
+              <a:solidFill>
+                <a:schemeClr val="accent1"/>
+              </a:solidFill>
+            </a:ln>
+          </p:spPr>
+          <p:style>
+            <a:lnRef idx="2">
+              <a:schemeClr val="accent1">
+                <a:shade val="50000"/>
+              </a:schemeClr>
+            </a:lnRef>
+            <a:fillRef idx="1">
+              <a:schemeClr val="accent1"/>
+            </a:fillRef>
+            <a:effectRef idx="0">
+              <a:schemeClr val="accent1"/>
+            </a:effectRef>
+            <a:fontRef idx="minor">
+              <a:schemeClr val="lt1"/>
+            </a:fontRef>
+          </p:style>
+          <p:txBody>
+            <a:bodyPr rtlCol="0" anchor="ctr"/>
+            <a:lstStyle/>
+            <a:p>
+              <a:pPr algn="ctr"/>
+              <a:endParaRPr lang="pt-BR" dirty="0"/>
+            </a:p>
+          </p:txBody>
+        </p:sp>
+        <p:cxnSp>
+          <p:nvCxnSpPr>
+            <p:cNvPr id="11" name="Conector reto 10">
+              <a:extLst>
+                <a:ext uri="{FF2B5EF4-FFF2-40B4-BE49-F238E27FC236}">
+                  <a16:creationId xmlns:a16="http://schemas.microsoft.com/office/drawing/2014/main" id="{29A73344-0434-4F9E-B2FB-DEA71C80FA4D}"/>
+                </a:ext>
+              </a:extLst>
+            </p:cNvPr>
+            <p:cNvCxnSpPr>
+              <a:cxnSpLocks/>
+            </p:cNvCxnSpPr>
+            <p:nvPr/>
+          </p:nvCxnSpPr>
+          <p:spPr>
+            <a:xfrm>
+              <a:off x="9072032" y="3766480"/>
+              <a:ext cx="0" cy="2247900"/>
+            </a:xfrm>
+            <a:prstGeom prst="line">
+              <a:avLst/>
+            </a:prstGeom>
+            <a:ln w="12700">
+              <a:prstDash val="lgDash"/>
+            </a:ln>
+          </p:spPr>
+          <p:style>
+            <a:lnRef idx="1">
+              <a:schemeClr val="accent1"/>
+            </a:lnRef>
+            <a:fillRef idx="0">
+              <a:schemeClr val="accent1"/>
+            </a:fillRef>
+            <a:effectRef idx="0">
+              <a:schemeClr val="accent1"/>
+            </a:effectRef>
+            <a:fontRef idx="minor">
+              <a:schemeClr val="tx1"/>
+            </a:fontRef>
+          </p:style>
+        </p:cxnSp>
+        <p:cxnSp>
+          <p:nvCxnSpPr>
+            <p:cNvPr id="23" name="Conector reto 22">
+              <a:extLst>
+                <a:ext uri="{FF2B5EF4-FFF2-40B4-BE49-F238E27FC236}">
+                  <a16:creationId xmlns:a16="http://schemas.microsoft.com/office/drawing/2014/main" id="{FF0DD951-3299-497F-8C59-5B1F3794F25C}"/>
+                </a:ext>
+              </a:extLst>
+            </p:cNvPr>
+            <p:cNvCxnSpPr>
+              <a:cxnSpLocks/>
+            </p:cNvCxnSpPr>
+            <p:nvPr/>
+          </p:nvCxnSpPr>
+          <p:spPr>
+            <a:xfrm>
+              <a:off x="8035913" y="3903133"/>
+              <a:ext cx="0" cy="1974594"/>
+            </a:xfrm>
+            <a:prstGeom prst="line">
+              <a:avLst/>
+            </a:prstGeom>
+            <a:ln>
+              <a:solidFill>
+                <a:schemeClr val="tx2">
+                  <a:lumMod val="50000"/>
+                </a:schemeClr>
+              </a:solidFill>
+              <a:prstDash val="sysDash"/>
+            </a:ln>
+          </p:spPr>
+          <p:style>
+            <a:lnRef idx="1">
+              <a:schemeClr val="accent1"/>
+            </a:lnRef>
+            <a:fillRef idx="0">
+              <a:schemeClr val="accent1"/>
+            </a:fillRef>
+            <a:effectRef idx="0">
+              <a:schemeClr val="accent1"/>
+            </a:effectRef>
+            <a:fontRef idx="minor">
+              <a:schemeClr val="tx1"/>
+            </a:fontRef>
+          </p:style>
+        </p:cxnSp>
+        <p:cxnSp>
+          <p:nvCxnSpPr>
+            <p:cNvPr id="13" name="Conector reto 12">
+              <a:extLst>
+                <a:ext uri="{FF2B5EF4-FFF2-40B4-BE49-F238E27FC236}">
+                  <a16:creationId xmlns:a16="http://schemas.microsoft.com/office/drawing/2014/main" id="{6A96BE07-ED43-4EDB-A0C4-78853EA914D0}"/>
+                </a:ext>
+              </a:extLst>
+            </p:cNvPr>
+            <p:cNvCxnSpPr>
+              <a:cxnSpLocks/>
+            </p:cNvCxnSpPr>
+            <p:nvPr/>
+          </p:nvCxnSpPr>
+          <p:spPr>
+            <a:xfrm>
+              <a:off x="7153347" y="4878917"/>
+              <a:ext cx="3822700" cy="11513"/>
+            </a:xfrm>
+            <a:prstGeom prst="line">
+              <a:avLst/>
+            </a:prstGeom>
+            <a:ln w="12700">
+              <a:prstDash val="lgDash"/>
+            </a:ln>
+          </p:spPr>
+          <p:style>
+            <a:lnRef idx="1">
+              <a:schemeClr val="accent1"/>
+            </a:lnRef>
+            <a:fillRef idx="0">
+              <a:schemeClr val="accent1"/>
+            </a:fillRef>
+            <a:effectRef idx="0">
+              <a:schemeClr val="accent1"/>
+            </a:effectRef>
+            <a:fontRef idx="minor">
+              <a:schemeClr val="tx1"/>
+            </a:fontRef>
+          </p:style>
+        </p:cxnSp>
+        <p:cxnSp>
+          <p:nvCxnSpPr>
+            <p:cNvPr id="25" name="Conector reto 24">
+              <a:extLst>
+                <a:ext uri="{FF2B5EF4-FFF2-40B4-BE49-F238E27FC236}">
+                  <a16:creationId xmlns:a16="http://schemas.microsoft.com/office/drawing/2014/main" id="{54F46924-934F-47D2-99C1-3D0605E21447}"/>
+                </a:ext>
+              </a:extLst>
+            </p:cNvPr>
+            <p:cNvCxnSpPr>
+              <a:cxnSpLocks/>
+            </p:cNvCxnSpPr>
+            <p:nvPr/>
+          </p:nvCxnSpPr>
+          <p:spPr>
+            <a:xfrm>
+              <a:off x="10105422" y="3903133"/>
+              <a:ext cx="0" cy="1974594"/>
+            </a:xfrm>
+            <a:prstGeom prst="line">
+              <a:avLst/>
+            </a:prstGeom>
+            <a:ln>
+              <a:solidFill>
+                <a:schemeClr val="tx2">
+                  <a:lumMod val="50000"/>
+                </a:schemeClr>
+              </a:solidFill>
+              <a:prstDash val="sysDash"/>
+            </a:ln>
+          </p:spPr>
+          <p:style>
+            <a:lnRef idx="1">
+              <a:schemeClr val="accent1"/>
+            </a:lnRef>
+            <a:fillRef idx="0">
+              <a:schemeClr val="accent1"/>
+            </a:fillRef>
+            <a:effectRef idx="0">
+              <a:schemeClr val="accent1"/>
+            </a:effectRef>
+            <a:fontRef idx="minor">
+              <a:schemeClr val="tx1"/>
+            </a:fontRef>
+          </p:style>
+        </p:cxnSp>
+        <p:cxnSp>
+          <p:nvCxnSpPr>
+            <p:cNvPr id="26" name="Conector reto 25">
+              <a:extLst>
+                <a:ext uri="{FF2B5EF4-FFF2-40B4-BE49-F238E27FC236}">
+                  <a16:creationId xmlns:a16="http://schemas.microsoft.com/office/drawing/2014/main" id="{4E925583-C0CD-4112-BD02-CE478E9EA5D4}"/>
+                </a:ext>
+              </a:extLst>
+            </p:cNvPr>
+            <p:cNvCxnSpPr>
+              <a:cxnSpLocks/>
+            </p:cNvCxnSpPr>
+            <p:nvPr/>
+          </p:nvCxnSpPr>
+          <p:spPr>
+            <a:xfrm>
+              <a:off x="7306734" y="4266901"/>
+              <a:ext cx="3530599" cy="1"/>
+            </a:xfrm>
+            <a:prstGeom prst="line">
+              <a:avLst/>
+            </a:prstGeom>
+            <a:ln>
+              <a:solidFill>
+                <a:schemeClr val="tx2">
+                  <a:lumMod val="50000"/>
+                </a:schemeClr>
+              </a:solidFill>
+              <a:prstDash val="sysDash"/>
+            </a:ln>
+          </p:spPr>
+          <p:style>
+            <a:lnRef idx="1">
+              <a:schemeClr val="accent1"/>
+            </a:lnRef>
+            <a:fillRef idx="0">
+              <a:schemeClr val="accent1"/>
+            </a:fillRef>
+            <a:effectRef idx="0">
+              <a:schemeClr val="accent1"/>
+            </a:effectRef>
+            <a:fontRef idx="minor">
+              <a:schemeClr val="tx1"/>
+            </a:fontRef>
+          </p:style>
+        </p:cxnSp>
+        <p:cxnSp>
+          <p:nvCxnSpPr>
+            <p:cNvPr id="30" name="Conector reto 29">
+              <a:extLst>
+                <a:ext uri="{FF2B5EF4-FFF2-40B4-BE49-F238E27FC236}">
+                  <a16:creationId xmlns:a16="http://schemas.microsoft.com/office/drawing/2014/main" id="{D3A1B7BC-2B75-439E-9BA4-07DE7697AC1E}"/>
+                </a:ext>
+              </a:extLst>
+            </p:cNvPr>
+            <p:cNvCxnSpPr>
+              <a:cxnSpLocks/>
+            </p:cNvCxnSpPr>
+            <p:nvPr/>
+          </p:nvCxnSpPr>
+          <p:spPr>
+            <a:xfrm>
+              <a:off x="7306733" y="5513959"/>
+              <a:ext cx="3530599" cy="1"/>
+            </a:xfrm>
+            <a:prstGeom prst="line">
+              <a:avLst/>
+            </a:prstGeom>
+            <a:ln>
+              <a:solidFill>
+                <a:schemeClr val="tx2">
+                  <a:lumMod val="50000"/>
+                </a:schemeClr>
+              </a:solidFill>
+              <a:prstDash val="sysDash"/>
+            </a:ln>
+          </p:spPr>
+          <p:style>
+            <a:lnRef idx="1">
+              <a:schemeClr val="accent1"/>
+            </a:lnRef>
+            <a:fillRef idx="0">
+              <a:schemeClr val="accent1"/>
+            </a:fillRef>
+            <a:effectRef idx="0">
+              <a:schemeClr val="accent1"/>
+            </a:effectRef>
+            <a:fontRef idx="minor">
+              <a:schemeClr val="tx1"/>
+            </a:fontRef>
+          </p:style>
+        </p:cxnSp>
+        <p:sp>
+          <p:nvSpPr>
+            <p:cNvPr id="9" name="CaixaDeTexto 8">
+              <a:extLst>
+                <a:ext uri="{FF2B5EF4-FFF2-40B4-BE49-F238E27FC236}">
+                  <a16:creationId xmlns:a16="http://schemas.microsoft.com/office/drawing/2014/main" id="{62BF0A23-CFCC-4AB3-89ED-6C7FC4CBDF2C}"/>
+                </a:ext>
+              </a:extLst>
+            </p:cNvPr>
+            <p:cNvSpPr txBox="1"/>
+            <p:nvPr/>
+          </p:nvSpPr>
+          <p:spPr>
+            <a:xfrm>
+              <a:off x="7674190" y="4022149"/>
+              <a:ext cx="728906" cy="176426"/>
+            </a:xfrm>
+            <a:prstGeom prst="roundRect">
+              <a:avLst/>
+            </a:prstGeom>
+            <a:solidFill>
+              <a:schemeClr val="accent1"/>
+            </a:solidFill>
+          </p:spPr>
+          <p:txBody>
+            <a:bodyPr wrap="square" lIns="18000" tIns="18000" rIns="18000" bIns="18000" rtlCol="0">
+              <a:spAutoFit/>
+            </a:bodyPr>
+            <a:lstStyle/>
+            <a:p>
+              <a:pPr algn="ctr"/>
+              <a:r>
+                <a:rPr lang="pt-BR" sz="800" dirty="0">
+                  <a:latin typeface="Consolas" panose="020B0609020204030204" pitchFamily="49" charset="0"/>
+                </a:rPr>
+                <a:t>(</a:t>
+              </a:r>
+              <a:r>
+                <a:rPr lang="pt-BR" sz="800" dirty="0" err="1">
+                  <a:latin typeface="Consolas" panose="020B0609020204030204" pitchFamily="49" charset="0"/>
+                </a:rPr>
+                <a:t>posX,posY</a:t>
+              </a:r>
+              <a:r>
+                <a:rPr lang="pt-BR" sz="800" dirty="0">
+                  <a:latin typeface="Consolas" panose="020B0609020204030204" pitchFamily="49" charset="0"/>
+                </a:rPr>
+                <a:t>)</a:t>
+              </a:r>
+            </a:p>
+          </p:txBody>
+        </p:sp>
+        <p:pic>
+          <p:nvPicPr>
+            <p:cNvPr id="7" name="Imagem 6">
+              <a:extLst>
+                <a:ext uri="{FF2B5EF4-FFF2-40B4-BE49-F238E27FC236}">
+                  <a16:creationId xmlns:a16="http://schemas.microsoft.com/office/drawing/2014/main" id="{7CAC6F31-4031-4EAF-BBEE-508DFE967D3E}"/>
+                </a:ext>
+              </a:extLst>
+            </p:cNvPr>
+            <p:cNvPicPr>
+              <a:picLocks noChangeAspect="1"/>
+            </p:cNvPicPr>
+            <p:nvPr/>
+          </p:nvPicPr>
+          <p:blipFill>
+            <a:blip r:embed="rId3"/>
+            <a:stretch>
+              <a:fillRect/>
+            </a:stretch>
+          </p:blipFill>
+          <p:spPr>
+            <a:xfrm>
+              <a:off x="8031025" y="4261821"/>
+              <a:ext cx="2082017" cy="1257218"/>
+            </a:xfrm>
+            <a:prstGeom prst="rect">
+              <a:avLst/>
+            </a:prstGeom>
+          </p:spPr>
+        </p:pic>
+        <p:sp>
+          <p:nvSpPr>
+            <p:cNvPr id="8" name="Elipse 7">
+              <a:extLst>
+                <a:ext uri="{FF2B5EF4-FFF2-40B4-BE49-F238E27FC236}">
+                  <a16:creationId xmlns:a16="http://schemas.microsoft.com/office/drawing/2014/main" id="{6BEE24A7-731B-4ED1-A604-67A1FB3196A9}"/>
+                </a:ext>
+              </a:extLst>
+            </p:cNvPr>
+            <p:cNvSpPr/>
+            <p:nvPr/>
+          </p:nvSpPr>
+          <p:spPr>
+            <a:xfrm>
+              <a:off x="8008923" y="4238386"/>
+              <a:ext cx="50800" cy="55033"/>
+            </a:xfrm>
+            <a:prstGeom prst="ellipse">
+              <a:avLst/>
+            </a:prstGeom>
+          </p:spPr>
+          <p:style>
+            <a:lnRef idx="2">
+              <a:schemeClr val="accent1">
+                <a:shade val="50000"/>
+              </a:schemeClr>
+            </a:lnRef>
+            <a:fillRef idx="1">
+              <a:schemeClr val="accent1"/>
+            </a:fillRef>
+            <a:effectRef idx="0">
+              <a:schemeClr val="accent1"/>
+            </a:effectRef>
+            <a:fontRef idx="minor">
+              <a:schemeClr val="lt1"/>
+            </a:fontRef>
+          </p:style>
+          <p:txBody>
+            <a:bodyPr rtlCol="0" anchor="ctr"/>
+            <a:lstStyle/>
+            <a:p>
+              <a:pPr algn="ctr"/>
+              <a:endParaRPr lang="pt-BR"/>
+            </a:p>
+          </p:txBody>
+        </p:sp>
+      </p:grpSp>
     </p:spTree>
     <p:extLst>
       <p:ext uri="{BB962C8B-B14F-4D97-AF65-F5344CB8AC3E}">

--- a/Slides/02. Programação de Janelas.pptx
+++ b/Slides/02. Programação de Janelas.pptx
@@ -161,7 +161,7 @@
 <file path=ppt/revisionInfo.xml><?xml version="1.0" encoding="utf-8"?>
 <p1510:revInfo xmlns:a="http://schemas.openxmlformats.org/drawingml/2006/main" xmlns:r="http://schemas.openxmlformats.org/officeDocument/2006/relationships" xmlns:p1510="http://schemas.microsoft.com/office/powerpoint/2015/10/main">
   <p1510:revLst>
-    <p1510:client id="{169459C6-7053-4F98-BCD9-70A926FA316E}" v="4" dt="2021-07-24T21:15:18.723"/>
+    <p1510:client id="{169459C6-7053-4F98-BCD9-70A926FA316E}" v="5" dt="2021-07-24T21:59:49.825"/>
   </p1510:revLst>
 </p1510:revInfo>
 </file>
@@ -1921,7 +1921,7 @@
   <pc:docChgLst>
     <pc:chgData name="Judson Santiago" userId="ebb108da2f256286" providerId="LiveId" clId="{169459C6-7053-4F98-BCD9-70A926FA316E}"/>
     <pc:docChg chg="custSel modSld modMainMaster">
-      <pc:chgData name="Judson Santiago" userId="ebb108da2f256286" providerId="LiveId" clId="{169459C6-7053-4F98-BCD9-70A926FA316E}" dt="2021-07-24T21:17:59.619" v="81" actId="1076"/>
+      <pc:chgData name="Judson Santiago" userId="ebb108da2f256286" providerId="LiveId" clId="{169459C6-7053-4F98-BCD9-70A926FA316E}" dt="2021-07-24T22:03:32.557" v="130" actId="1037"/>
       <pc:docMkLst>
         <pc:docMk/>
       </pc:docMkLst>
@@ -1962,6 +1962,132 @@
             <ac:spMk id="2" creationId="{00000000-0000-0000-0000-000000000000}"/>
           </ac:spMkLst>
         </pc:spChg>
+      </pc:sldChg>
+      <pc:sldChg chg="modSp mod">
+        <pc:chgData name="Judson Santiago" userId="ebb108da2f256286" providerId="LiveId" clId="{169459C6-7053-4F98-BCD9-70A926FA316E}" dt="2021-07-24T21:57:07.458" v="82" actId="14100"/>
+        <pc:sldMkLst>
+          <pc:docMk/>
+          <pc:sldMk cId="1085080679" sldId="341"/>
+        </pc:sldMkLst>
+        <pc:spChg chg="mod">
+          <ac:chgData name="Judson Santiago" userId="ebb108da2f256286" providerId="LiveId" clId="{169459C6-7053-4F98-BCD9-70A926FA316E}" dt="2021-07-24T21:57:07.458" v="82" actId="14100"/>
+          <ac:spMkLst>
+            <pc:docMk/>
+            <pc:sldMk cId="1085080679" sldId="341"/>
+            <ac:spMk id="25" creationId="{00000000-0000-0000-0000-000000000000}"/>
+          </ac:spMkLst>
+        </pc:spChg>
+      </pc:sldChg>
+      <pc:sldChg chg="addSp modSp mod">
+        <pc:chgData name="Judson Santiago" userId="ebb108da2f256286" providerId="LiveId" clId="{169459C6-7053-4F98-BCD9-70A926FA316E}" dt="2021-07-24T22:03:32.557" v="130" actId="1037"/>
+        <pc:sldMkLst>
+          <pc:docMk/>
+          <pc:sldMk cId="2653339053" sldId="342"/>
+        </pc:sldMkLst>
+        <pc:spChg chg="mod">
+          <ac:chgData name="Judson Santiago" userId="ebb108da2f256286" providerId="LiveId" clId="{169459C6-7053-4F98-BCD9-70A926FA316E}" dt="2021-07-24T22:02:23.008" v="124" actId="20577"/>
+          <ac:spMkLst>
+            <pc:docMk/>
+            <pc:sldMk cId="2653339053" sldId="342"/>
+            <ac:spMk id="4" creationId="{00000000-0000-0000-0000-000000000000}"/>
+          </ac:spMkLst>
+        </pc:spChg>
+        <pc:spChg chg="mod">
+          <ac:chgData name="Judson Santiago" userId="ebb108da2f256286" providerId="LiveId" clId="{169459C6-7053-4F98-BCD9-70A926FA316E}" dt="2021-07-24T22:01:05.603" v="99" actId="1076"/>
+          <ac:spMkLst>
+            <pc:docMk/>
+            <pc:sldMk cId="2653339053" sldId="342"/>
+            <ac:spMk id="10" creationId="{992222A4-94A6-4903-ADDB-C1C1A3D94937}"/>
+          </ac:spMkLst>
+        </pc:spChg>
+        <pc:spChg chg="mod">
+          <ac:chgData name="Judson Santiago" userId="ebb108da2f256286" providerId="LiveId" clId="{169459C6-7053-4F98-BCD9-70A926FA316E}" dt="2021-07-24T22:01:20.888" v="110" actId="20577"/>
+          <ac:spMkLst>
+            <pc:docMk/>
+            <pc:sldMk cId="2653339053" sldId="342"/>
+            <ac:spMk id="11" creationId="{5A08C234-C9B5-48F1-9989-3A5357E1CA92}"/>
+          </ac:spMkLst>
+        </pc:spChg>
+        <pc:spChg chg="mod">
+          <ac:chgData name="Judson Santiago" userId="ebb108da2f256286" providerId="LiveId" clId="{169459C6-7053-4F98-BCD9-70A926FA316E}" dt="2021-07-24T22:01:30.382" v="117" actId="20577"/>
+          <ac:spMkLst>
+            <pc:docMk/>
+            <pc:sldMk cId="2653339053" sldId="342"/>
+            <ac:spMk id="12" creationId="{769C6A1B-8477-4B48-BA92-6DF1A214C893}"/>
+          </ac:spMkLst>
+        </pc:spChg>
+        <pc:spChg chg="mod">
+          <ac:chgData name="Judson Santiago" userId="ebb108da2f256286" providerId="LiveId" clId="{169459C6-7053-4F98-BCD9-70A926FA316E}" dt="2021-07-24T22:03:12.396" v="128" actId="1076"/>
+          <ac:spMkLst>
+            <pc:docMk/>
+            <pc:sldMk cId="2653339053" sldId="342"/>
+            <ac:spMk id="13" creationId="{6A64B92F-9807-4068-AF9F-F193EBC51129}"/>
+          </ac:spMkLst>
+        </pc:spChg>
+        <pc:spChg chg="mod">
+          <ac:chgData name="Judson Santiago" userId="ebb108da2f256286" providerId="LiveId" clId="{169459C6-7053-4F98-BCD9-70A926FA316E}" dt="2021-07-24T22:03:16.845" v="129" actId="1076"/>
+          <ac:spMkLst>
+            <pc:docMk/>
+            <pc:sldMk cId="2653339053" sldId="342"/>
+            <ac:spMk id="14" creationId="{1265A834-16C9-407B-BDE0-0E5F44AC4EC4}"/>
+          </ac:spMkLst>
+        </pc:spChg>
+        <pc:spChg chg="mod">
+          <ac:chgData name="Judson Santiago" userId="ebb108da2f256286" providerId="LiveId" clId="{169459C6-7053-4F98-BCD9-70A926FA316E}" dt="2021-07-24T22:00:16.324" v="86" actId="207"/>
+          <ac:spMkLst>
+            <pc:docMk/>
+            <pc:sldMk cId="2653339053" sldId="342"/>
+            <ac:spMk id="15" creationId="{9F482AB8-DB03-429B-A9DA-6AC5700FC3CC}"/>
+          </ac:spMkLst>
+        </pc:spChg>
+        <pc:spChg chg="mod">
+          <ac:chgData name="Judson Santiago" userId="ebb108da2f256286" providerId="LiveId" clId="{169459C6-7053-4F98-BCD9-70A926FA316E}" dt="2021-07-24T22:01:15.448" v="106" actId="20577"/>
+          <ac:spMkLst>
+            <pc:docMk/>
+            <pc:sldMk cId="2653339053" sldId="342"/>
+            <ac:spMk id="16" creationId="{E6ED351B-F842-4DD1-B6F1-67DCD69CC77B}"/>
+          </ac:spMkLst>
+        </pc:spChg>
+        <pc:grpChg chg="add mod">
+          <ac:chgData name="Judson Santiago" userId="ebb108da2f256286" providerId="LiveId" clId="{169459C6-7053-4F98-BCD9-70A926FA316E}" dt="2021-07-24T22:02:33.857" v="125" actId="1076"/>
+          <ac:grpSpMkLst>
+            <pc:docMk/>
+            <pc:sldMk cId="2653339053" sldId="342"/>
+            <ac:grpSpMk id="5" creationId="{2444434F-69CB-4E09-9D32-A70CCD87BE33}"/>
+          </ac:grpSpMkLst>
+        </pc:grpChg>
+        <pc:cxnChg chg="mod">
+          <ac:chgData name="Judson Santiago" userId="ebb108da2f256286" providerId="LiveId" clId="{169459C6-7053-4F98-BCD9-70A926FA316E}" dt="2021-07-24T21:59:49.825" v="83"/>
+          <ac:cxnSpMkLst>
+            <pc:docMk/>
+            <pc:sldMk cId="2653339053" sldId="342"/>
+            <ac:cxnSpMk id="6" creationId="{2F0D95FD-7385-4AFF-A838-DF93342EC2FA}"/>
+          </ac:cxnSpMkLst>
+        </pc:cxnChg>
+        <pc:cxnChg chg="mod">
+          <ac:chgData name="Judson Santiago" userId="ebb108da2f256286" providerId="LiveId" clId="{169459C6-7053-4F98-BCD9-70A926FA316E}" dt="2021-07-24T22:03:32.557" v="130" actId="1037"/>
+          <ac:cxnSpMkLst>
+            <pc:docMk/>
+            <pc:sldMk cId="2653339053" sldId="342"/>
+            <ac:cxnSpMk id="7" creationId="{1B6A7680-10A2-4D91-B837-53F35B30F4EC}"/>
+          </ac:cxnSpMkLst>
+        </pc:cxnChg>
+        <pc:cxnChg chg="mod">
+          <ac:chgData name="Judson Santiago" userId="ebb108da2f256286" providerId="LiveId" clId="{169459C6-7053-4F98-BCD9-70A926FA316E}" dt="2021-07-24T22:03:08.065" v="127" actId="14100"/>
+          <ac:cxnSpMkLst>
+            <pc:docMk/>
+            <pc:sldMk cId="2653339053" sldId="342"/>
+            <ac:cxnSpMk id="8" creationId="{D066751B-BAE3-4317-94FC-32C761334C1F}"/>
+          </ac:cxnSpMkLst>
+        </pc:cxnChg>
+        <pc:cxnChg chg="mod">
+          <ac:chgData name="Judson Santiago" userId="ebb108da2f256286" providerId="LiveId" clId="{169459C6-7053-4F98-BCD9-70A926FA316E}" dt="2021-07-24T22:03:02.660" v="126" actId="14100"/>
+          <ac:cxnSpMkLst>
+            <pc:docMk/>
+            <pc:sldMk cId="2653339053" sldId="342"/>
+            <ac:cxnSpMk id="9" creationId="{45C75DA7-746C-444C-841F-CEEB1A6660C2}"/>
+          </ac:cxnSpMkLst>
+        </pc:cxnChg>
       </pc:sldChg>
       <pc:sldChg chg="modSp mod">
         <pc:chgData name="Judson Santiago" userId="ebb108da2f256286" providerId="LiveId" clId="{169459C6-7053-4F98-BCD9-70A926FA316E}" dt="2021-07-24T21:17:59.619" v="81" actId="1076"/>
@@ -33009,8 +33135,8 @@
           </p:nvSpPr>
           <p:spPr>
             <a:xfrm>
-              <a:off x="3528398" y="3086283"/>
-              <a:ext cx="4904509" cy="2659045"/>
+              <a:off x="3528398" y="3097724"/>
+              <a:ext cx="4904509" cy="2647604"/>
             </a:xfrm>
             <a:prstGeom prst="roundRect">
               <a:avLst>
@@ -33734,7 +33860,7 @@
                 <a:latin typeface="Consolas" pitchFamily="49" charset="0"/>
                 <a:cs typeface="Consolas" pitchFamily="49" charset="0"/>
               </a:rPr>
-              <a:t>// endereço de um registro RECT</a:t>
+              <a:t>// endereço de um RECT</a:t>
             </a:r>
           </a:p>
           <a:p>
@@ -33789,7 +33915,7 @@
                 <a:latin typeface="Consolas" pitchFamily="49" charset="0"/>
                 <a:cs typeface="Consolas" pitchFamily="49" charset="0"/>
               </a:rPr>
-              <a:t>// estilo da janela desejada</a:t>
+              <a:t>// estilo da janela</a:t>
             </a:r>
           </a:p>
           <a:p>
@@ -33861,7 +33987,7 @@
                 <a:latin typeface="Consolas" pitchFamily="49" charset="0"/>
                 <a:cs typeface="Consolas" pitchFamily="49" charset="0"/>
               </a:rPr>
-              <a:t>// indica se a janela tem menu</a:t>
+              <a:t>// indica se tem menu</a:t>
             </a:r>
           </a:p>
           <a:p>
@@ -33916,7 +34042,7 @@
                 <a:latin typeface="Consolas" pitchFamily="49" charset="0"/>
                 <a:cs typeface="Consolas" pitchFamily="49" charset="0"/>
               </a:rPr>
-              <a:t>// estilos extra da janela</a:t>
+              <a:t>// estilos extra</a:t>
             </a:r>
           </a:p>
           <a:p>
@@ -33990,6 +34116,496 @@
           </a:p>
         </p:txBody>
       </p:sp>
+      <p:grpSp>
+        <p:nvGrpSpPr>
+          <p:cNvPr id="5" name="Agrupar 4">
+            <a:extLst>
+              <a:ext uri="{FF2B5EF4-FFF2-40B4-BE49-F238E27FC236}">
+                <a16:creationId xmlns:a16="http://schemas.microsoft.com/office/drawing/2014/main" id="{2444434F-69CB-4E09-9D32-A70CCD87BE33}"/>
+              </a:ext>
+            </a:extLst>
+          </p:cNvPr>
+          <p:cNvGrpSpPr/>
+          <p:nvPr/>
+        </p:nvGrpSpPr>
+        <p:grpSpPr>
+          <a:xfrm>
+            <a:off x="7864785" y="3429000"/>
+            <a:ext cx="3271775" cy="2006858"/>
+            <a:chOff x="6221153" y="2245433"/>
+            <a:chExt cx="3271775" cy="2006858"/>
+          </a:xfrm>
+        </p:grpSpPr>
+        <p:cxnSp>
+          <p:nvCxnSpPr>
+            <p:cNvPr id="6" name="Conector reto 5">
+              <a:extLst>
+                <a:ext uri="{FF2B5EF4-FFF2-40B4-BE49-F238E27FC236}">
+                  <a16:creationId xmlns:a16="http://schemas.microsoft.com/office/drawing/2014/main" id="{2F0D95FD-7385-4AFF-A838-DF93342EC2FA}"/>
+                </a:ext>
+              </a:extLst>
+            </p:cNvPr>
+            <p:cNvCxnSpPr>
+              <a:cxnSpLocks/>
+            </p:cNvCxnSpPr>
+            <p:nvPr/>
+          </p:nvCxnSpPr>
+          <p:spPr>
+            <a:xfrm>
+              <a:off x="6686986" y="3702019"/>
+              <a:ext cx="2203293" cy="0"/>
+            </a:xfrm>
+            <a:prstGeom prst="line">
+              <a:avLst/>
+            </a:prstGeom>
+            <a:ln w="19050">
+              <a:solidFill>
+                <a:schemeClr val="tx2">
+                  <a:lumMod val="60000"/>
+                  <a:lumOff val="40000"/>
+                </a:schemeClr>
+              </a:solidFill>
+              <a:prstDash val="dash"/>
+            </a:ln>
+          </p:spPr>
+          <p:style>
+            <a:lnRef idx="1">
+              <a:schemeClr val="accent1"/>
+            </a:lnRef>
+            <a:fillRef idx="0">
+              <a:schemeClr val="accent1"/>
+            </a:fillRef>
+            <a:effectRef idx="0">
+              <a:schemeClr val="accent1"/>
+            </a:effectRef>
+            <a:fontRef idx="minor">
+              <a:schemeClr val="tx1"/>
+            </a:fontRef>
+          </p:style>
+        </p:cxnSp>
+        <p:cxnSp>
+          <p:nvCxnSpPr>
+            <p:cNvPr id="7" name="Conector reto 6">
+              <a:extLst>
+                <a:ext uri="{FF2B5EF4-FFF2-40B4-BE49-F238E27FC236}">
+                  <a16:creationId xmlns:a16="http://schemas.microsoft.com/office/drawing/2014/main" id="{1B6A7680-10A2-4D91-B837-53F35B30F4EC}"/>
+                </a:ext>
+              </a:extLst>
+            </p:cNvPr>
+            <p:cNvCxnSpPr>
+              <a:cxnSpLocks/>
+            </p:cNvCxnSpPr>
+            <p:nvPr/>
+          </p:nvCxnSpPr>
+          <p:spPr>
+            <a:xfrm>
+              <a:off x="8486289" y="2503400"/>
+              <a:ext cx="0" cy="1561332"/>
+            </a:xfrm>
+            <a:prstGeom prst="line">
+              <a:avLst/>
+            </a:prstGeom>
+            <a:ln w="19050">
+              <a:solidFill>
+                <a:schemeClr val="tx2">
+                  <a:lumMod val="60000"/>
+                  <a:lumOff val="40000"/>
+                </a:schemeClr>
+              </a:solidFill>
+              <a:prstDash val="dash"/>
+            </a:ln>
+          </p:spPr>
+          <p:style>
+            <a:lnRef idx="1">
+              <a:schemeClr val="accent1"/>
+            </a:lnRef>
+            <a:fillRef idx="0">
+              <a:schemeClr val="accent1"/>
+            </a:fillRef>
+            <a:effectRef idx="0">
+              <a:schemeClr val="accent1"/>
+            </a:effectRef>
+            <a:fontRef idx="minor">
+              <a:schemeClr val="tx1"/>
+            </a:fontRef>
+          </p:style>
+        </p:cxnSp>
+        <p:cxnSp>
+          <p:nvCxnSpPr>
+            <p:cNvPr id="8" name="Conector de Seta Reta 7">
+              <a:extLst>
+                <a:ext uri="{FF2B5EF4-FFF2-40B4-BE49-F238E27FC236}">
+                  <a16:creationId xmlns:a16="http://schemas.microsoft.com/office/drawing/2014/main" id="{D066751B-BAE3-4317-94FC-32C761334C1F}"/>
+                </a:ext>
+              </a:extLst>
+            </p:cNvPr>
+            <p:cNvCxnSpPr>
+              <a:cxnSpLocks/>
+            </p:cNvCxnSpPr>
+            <p:nvPr/>
+          </p:nvCxnSpPr>
+          <p:spPr>
+            <a:xfrm>
+              <a:off x="6691056" y="2647416"/>
+              <a:ext cx="2367179" cy="0"/>
+            </a:xfrm>
+            <a:prstGeom prst="straightConnector1">
+              <a:avLst/>
+            </a:prstGeom>
+            <a:ln w="19050">
+              <a:tailEnd type="triangle"/>
+            </a:ln>
+          </p:spPr>
+          <p:style>
+            <a:lnRef idx="1">
+              <a:schemeClr val="accent1"/>
+            </a:lnRef>
+            <a:fillRef idx="0">
+              <a:schemeClr val="accent1"/>
+            </a:fillRef>
+            <a:effectRef idx="0">
+              <a:schemeClr val="accent1"/>
+            </a:effectRef>
+            <a:fontRef idx="minor">
+              <a:schemeClr val="tx1"/>
+            </a:fontRef>
+          </p:style>
+        </p:cxnSp>
+        <p:cxnSp>
+          <p:nvCxnSpPr>
+            <p:cNvPr id="9" name="Conector de Seta Reta 8">
+              <a:extLst>
+                <a:ext uri="{FF2B5EF4-FFF2-40B4-BE49-F238E27FC236}">
+                  <a16:creationId xmlns:a16="http://schemas.microsoft.com/office/drawing/2014/main" id="{45C75DA7-746C-444C-841F-CEEB1A6660C2}"/>
+                </a:ext>
+              </a:extLst>
+            </p:cNvPr>
+            <p:cNvCxnSpPr>
+              <a:cxnSpLocks/>
+            </p:cNvCxnSpPr>
+            <p:nvPr/>
+          </p:nvCxnSpPr>
+          <p:spPr>
+            <a:xfrm>
+              <a:off x="6839264" y="2503400"/>
+              <a:ext cx="0" cy="1651266"/>
+            </a:xfrm>
+            <a:prstGeom prst="straightConnector1">
+              <a:avLst/>
+            </a:prstGeom>
+            <a:ln w="19050">
+              <a:tailEnd type="triangle"/>
+            </a:ln>
+          </p:spPr>
+          <p:style>
+            <a:lnRef idx="1">
+              <a:schemeClr val="accent1"/>
+            </a:lnRef>
+            <a:fillRef idx="0">
+              <a:schemeClr val="accent1"/>
+            </a:fillRef>
+            <a:effectRef idx="0">
+              <a:schemeClr val="accent1"/>
+            </a:effectRef>
+            <a:fontRef idx="minor">
+              <a:schemeClr val="tx1"/>
+            </a:fontRef>
+          </p:style>
+        </p:cxnSp>
+        <p:sp>
+          <p:nvSpPr>
+            <p:cNvPr id="10" name="CaixaDeTexto 9">
+              <a:extLst>
+                <a:ext uri="{FF2B5EF4-FFF2-40B4-BE49-F238E27FC236}">
+                  <a16:creationId xmlns:a16="http://schemas.microsoft.com/office/drawing/2014/main" id="{992222A4-94A6-4903-ADDB-C1C1A3D94937}"/>
+                </a:ext>
+              </a:extLst>
+            </p:cNvPr>
+            <p:cNvSpPr txBox="1"/>
+            <p:nvPr/>
+          </p:nvSpPr>
+          <p:spPr>
+            <a:xfrm>
+              <a:off x="8213137" y="2245433"/>
+              <a:ext cx="524503" cy="276999"/>
+            </a:xfrm>
+            <a:prstGeom prst="rect">
+              <a:avLst/>
+            </a:prstGeom>
+            <a:noFill/>
+          </p:spPr>
+          <p:txBody>
+            <a:bodyPr wrap="none" rtlCol="0">
+              <a:spAutoFit/>
+            </a:bodyPr>
+            <a:lstStyle/>
+            <a:p>
+              <a:r>
+                <a:rPr lang="pt-BR" sz="1200" dirty="0"/>
+                <a:t>1024</a:t>
+              </a:r>
+            </a:p>
+          </p:txBody>
+        </p:sp>
+        <p:sp>
+          <p:nvSpPr>
+            <p:cNvPr id="11" name="CaixaDeTexto 10">
+              <a:extLst>
+                <a:ext uri="{FF2B5EF4-FFF2-40B4-BE49-F238E27FC236}">
+                  <a16:creationId xmlns:a16="http://schemas.microsoft.com/office/drawing/2014/main" id="{5A08C234-C9B5-48F1-9989-3A5357E1CA92}"/>
+                </a:ext>
+              </a:extLst>
+            </p:cNvPr>
+            <p:cNvSpPr txBox="1"/>
+            <p:nvPr/>
+          </p:nvSpPr>
+          <p:spPr>
+            <a:xfrm>
+              <a:off x="6221153" y="3571037"/>
+              <a:ext cx="439544" cy="276999"/>
+            </a:xfrm>
+            <a:prstGeom prst="rect">
+              <a:avLst/>
+            </a:prstGeom>
+            <a:noFill/>
+          </p:spPr>
+          <p:txBody>
+            <a:bodyPr wrap="none" rtlCol="0">
+              <a:spAutoFit/>
+            </a:bodyPr>
+            <a:lstStyle/>
+            <a:p>
+              <a:r>
+                <a:rPr lang="pt-BR" sz="1200" dirty="0"/>
+                <a:t>600</a:t>
+              </a:r>
+            </a:p>
+          </p:txBody>
+        </p:sp>
+        <p:sp>
+          <p:nvSpPr>
+            <p:cNvPr id="12" name="Retângulo de cantos arredondados 24">
+              <a:extLst>
+                <a:ext uri="{FF2B5EF4-FFF2-40B4-BE49-F238E27FC236}">
+                  <a16:creationId xmlns:a16="http://schemas.microsoft.com/office/drawing/2014/main" id="{769C6A1B-8477-4B48-BA92-6DF1A214C893}"/>
+                </a:ext>
+              </a:extLst>
+            </p:cNvPr>
+            <p:cNvSpPr/>
+            <p:nvPr/>
+          </p:nvSpPr>
+          <p:spPr>
+            <a:xfrm>
+              <a:off x="6842670" y="2658536"/>
+              <a:ext cx="1648585" cy="1051001"/>
+            </a:xfrm>
+            <a:prstGeom prst="rect">
+              <a:avLst/>
+            </a:prstGeom>
+            <a:solidFill>
+              <a:schemeClr val="accent1">
+                <a:lumMod val="75000"/>
+              </a:schemeClr>
+            </a:solidFill>
+            <a:ln>
+              <a:solidFill>
+                <a:schemeClr val="tx1"/>
+              </a:solidFill>
+            </a:ln>
+          </p:spPr>
+          <p:style>
+            <a:lnRef idx="1">
+              <a:schemeClr val="accent1"/>
+            </a:lnRef>
+            <a:fillRef idx="2">
+              <a:schemeClr val="accent1"/>
+            </a:fillRef>
+            <a:effectRef idx="1">
+              <a:schemeClr val="accent1"/>
+            </a:effectRef>
+            <a:fontRef idx="minor">
+              <a:schemeClr val="dk1"/>
+            </a:fontRef>
+          </p:style>
+          <p:txBody>
+            <a:bodyPr rtlCol="0" anchor="ctr"/>
+            <a:lstStyle/>
+            <a:p>
+              <a:pPr algn="ctr"/>
+              <a:r>
+                <a:rPr lang="pt-BR" sz="1200" dirty="0">
+                  <a:solidFill>
+                    <a:schemeClr val="tx1"/>
+                  </a:solidFill>
+                </a:rPr>
+                <a:t>Área Cliente</a:t>
+              </a:r>
+              <a:br>
+                <a:rPr lang="pt-BR" sz="1200" dirty="0">
+                  <a:solidFill>
+                    <a:schemeClr val="tx1"/>
+                  </a:solidFill>
+                </a:rPr>
+              </a:br>
+              <a:br>
+                <a:rPr lang="pt-BR" sz="1200" dirty="0">
+                  <a:solidFill>
+                    <a:schemeClr val="tx1"/>
+                  </a:solidFill>
+                </a:rPr>
+              </a:br>
+              <a:r>
+                <a:rPr lang="pt-BR" sz="1200" dirty="0">
+                  <a:solidFill>
+                    <a:schemeClr val="tx1"/>
+                  </a:solidFill>
+                </a:rPr>
+                <a:t>(1024x600)</a:t>
+              </a:r>
+            </a:p>
+          </p:txBody>
+        </p:sp>
+        <p:sp>
+          <p:nvSpPr>
+            <p:cNvPr id="13" name="CaixaDeTexto 12">
+              <a:extLst>
+                <a:ext uri="{FF2B5EF4-FFF2-40B4-BE49-F238E27FC236}">
+                  <a16:creationId xmlns:a16="http://schemas.microsoft.com/office/drawing/2014/main" id="{6A64B92F-9807-4068-AF9F-F193EBC51129}"/>
+                </a:ext>
+              </a:extLst>
+            </p:cNvPr>
+            <p:cNvSpPr txBox="1"/>
+            <p:nvPr/>
+          </p:nvSpPr>
+          <p:spPr>
+            <a:xfrm>
+              <a:off x="8885823" y="2326039"/>
+              <a:ext cx="258404" cy="276999"/>
+            </a:xfrm>
+            <a:prstGeom prst="rect">
+              <a:avLst/>
+            </a:prstGeom>
+            <a:noFill/>
+          </p:spPr>
+          <p:txBody>
+            <a:bodyPr wrap="none" rtlCol="0">
+              <a:spAutoFit/>
+            </a:bodyPr>
+            <a:lstStyle/>
+            <a:p>
+              <a:r>
+                <a:rPr lang="pt-BR" sz="1200" dirty="0"/>
+                <a:t>x</a:t>
+              </a:r>
+            </a:p>
+          </p:txBody>
+        </p:sp>
+        <p:sp>
+          <p:nvSpPr>
+            <p:cNvPr id="14" name="CaixaDeTexto 13">
+              <a:extLst>
+                <a:ext uri="{FF2B5EF4-FFF2-40B4-BE49-F238E27FC236}">
+                  <a16:creationId xmlns:a16="http://schemas.microsoft.com/office/drawing/2014/main" id="{1265A834-16C9-407B-BDE0-0E5F44AC4EC4}"/>
+                </a:ext>
+              </a:extLst>
+            </p:cNvPr>
+            <p:cNvSpPr txBox="1"/>
+            <p:nvPr/>
+          </p:nvSpPr>
+          <p:spPr>
+            <a:xfrm>
+              <a:off x="6554578" y="3975292"/>
+              <a:ext cx="264816" cy="276999"/>
+            </a:xfrm>
+            <a:prstGeom prst="rect">
+              <a:avLst/>
+            </a:prstGeom>
+            <a:noFill/>
+          </p:spPr>
+          <p:txBody>
+            <a:bodyPr wrap="none" rtlCol="0">
+              <a:spAutoFit/>
+            </a:bodyPr>
+            <a:lstStyle/>
+            <a:p>
+              <a:r>
+                <a:rPr lang="pt-BR" sz="1200" dirty="0"/>
+                <a:t>y</a:t>
+              </a:r>
+            </a:p>
+          </p:txBody>
+        </p:sp>
+        <p:sp>
+          <p:nvSpPr>
+            <p:cNvPr id="15" name="CaixaDeTexto 14">
+              <a:extLst>
+                <a:ext uri="{FF2B5EF4-FFF2-40B4-BE49-F238E27FC236}">
+                  <a16:creationId xmlns:a16="http://schemas.microsoft.com/office/drawing/2014/main" id="{9F482AB8-DB03-429B-A9DA-6AC5700FC3CC}"/>
+                </a:ext>
+              </a:extLst>
+            </p:cNvPr>
+            <p:cNvSpPr txBox="1"/>
+            <p:nvPr/>
+          </p:nvSpPr>
+          <p:spPr>
+            <a:xfrm>
+              <a:off x="6312024" y="2281661"/>
+              <a:ext cx="527709" cy="276999"/>
+            </a:xfrm>
+            <a:prstGeom prst="rect">
+              <a:avLst/>
+            </a:prstGeom>
+            <a:noFill/>
+          </p:spPr>
+          <p:txBody>
+            <a:bodyPr wrap="none" rtlCol="0">
+              <a:spAutoFit/>
+            </a:bodyPr>
+            <a:lstStyle/>
+            <a:p>
+              <a:r>
+                <a:rPr lang="pt-BR" sz="1200" dirty="0"/>
+                <a:t>(0,0)</a:t>
+              </a:r>
+            </a:p>
+          </p:txBody>
+        </p:sp>
+        <p:sp>
+          <p:nvSpPr>
+            <p:cNvPr id="16" name="CaixaDeTexto 15">
+              <a:extLst>
+                <a:ext uri="{FF2B5EF4-FFF2-40B4-BE49-F238E27FC236}">
+                  <a16:creationId xmlns:a16="http://schemas.microsoft.com/office/drawing/2014/main" id="{E6ED351B-F842-4DD1-B6F1-67DCD69CC77B}"/>
+                </a:ext>
+              </a:extLst>
+            </p:cNvPr>
+            <p:cNvSpPr txBox="1"/>
+            <p:nvPr/>
+          </p:nvSpPr>
+          <p:spPr>
+            <a:xfrm>
+              <a:off x="8558057" y="3813504"/>
+              <a:ext cx="934871" cy="276999"/>
+            </a:xfrm>
+            <a:prstGeom prst="rect">
+              <a:avLst/>
+            </a:prstGeom>
+            <a:noFill/>
+          </p:spPr>
+          <p:txBody>
+            <a:bodyPr wrap="none" rtlCol="0">
+              <a:spAutoFit/>
+            </a:bodyPr>
+            <a:lstStyle/>
+            <a:p>
+              <a:r>
+                <a:rPr lang="pt-BR" sz="1200" dirty="0"/>
+                <a:t>(1024,600)</a:t>
+              </a:r>
+            </a:p>
+          </p:txBody>
+        </p:sp>
+      </p:grpSp>
     </p:spTree>
     <p:extLst>
       <p:ext uri="{BB962C8B-B14F-4D97-AF65-F5344CB8AC3E}">
